--- a/RUST2.pptx
+++ b/RUST2.pptx
@@ -12,21 +12,22 @@
     <p:sldId id="271" r:id="rId6"/>
     <p:sldId id="272" r:id="rId7"/>
     <p:sldId id="259" r:id="rId8"/>
-    <p:sldId id="275" r:id="rId9"/>
-    <p:sldId id="261" r:id="rId10"/>
-    <p:sldId id="262" r:id="rId11"/>
-    <p:sldId id="263" r:id="rId12"/>
-    <p:sldId id="276" r:id="rId13"/>
-    <p:sldId id="281" r:id="rId14"/>
-    <p:sldId id="274" r:id="rId15"/>
-    <p:sldId id="277" r:id="rId16"/>
-    <p:sldId id="278" r:id="rId17"/>
-    <p:sldId id="282" r:id="rId18"/>
-    <p:sldId id="279" r:id="rId19"/>
-    <p:sldId id="283" r:id="rId20"/>
-    <p:sldId id="280" r:id="rId21"/>
-    <p:sldId id="264" r:id="rId22"/>
-    <p:sldId id="268" r:id="rId23"/>
+    <p:sldId id="284" r:id="rId9"/>
+    <p:sldId id="275" r:id="rId10"/>
+    <p:sldId id="261" r:id="rId11"/>
+    <p:sldId id="262" r:id="rId12"/>
+    <p:sldId id="263" r:id="rId13"/>
+    <p:sldId id="276" r:id="rId14"/>
+    <p:sldId id="281" r:id="rId15"/>
+    <p:sldId id="274" r:id="rId16"/>
+    <p:sldId id="277" r:id="rId17"/>
+    <p:sldId id="278" r:id="rId18"/>
+    <p:sldId id="282" r:id="rId19"/>
+    <p:sldId id="279" r:id="rId20"/>
+    <p:sldId id="283" r:id="rId21"/>
+    <p:sldId id="280" r:id="rId22"/>
+    <p:sldId id="264" r:id="rId23"/>
+    <p:sldId id="268" r:id="rId24"/>
   </p:sldIdLst>
   <p:sldSz cx="12192000" cy="6858000"/>
   <p:notesSz cx="6858000" cy="9144000"/>
@@ -6203,6 +6204,536 @@
           <p:cNvPr id="2" name="Title 1">
             <a:extLst>
               <a:ext uri="{FF2B5EF4-FFF2-40B4-BE49-F238E27FC236}">
+                <a16:creationId xmlns:a16="http://schemas.microsoft.com/office/drawing/2014/main" id="{239CB93B-FB9C-4D3E-B523-1A860D89A82E}"/>
+              </a:ext>
+            </a:extLst>
+          </p:cNvPr>
+          <p:cNvSpPr>
+            <a:spLocks noGrp="1"/>
+          </p:cNvSpPr>
+          <p:nvPr>
+            <p:ph type="title"/>
+          </p:nvPr>
+        </p:nvSpPr>
+        <p:spPr/>
+        <p:txBody>
+          <a:bodyPr/>
+          <a:lstStyle/>
+          <a:p>
+            <a:r>
+              <a:rPr lang="en-CA" dirty="0"/>
+              <a:t>References</a:t>
+            </a:r>
+          </a:p>
+        </p:txBody>
+      </p:sp>
+      <p:sp>
+        <p:nvSpPr>
+          <p:cNvPr id="3" name="Content Placeholder 2">
+            <a:extLst>
+              <a:ext uri="{FF2B5EF4-FFF2-40B4-BE49-F238E27FC236}">
+                <a16:creationId xmlns:a16="http://schemas.microsoft.com/office/drawing/2014/main" id="{8840F7A4-9530-46E2-B6B2-C43BD9817B48}"/>
+              </a:ext>
+            </a:extLst>
+          </p:cNvPr>
+          <p:cNvSpPr>
+            <a:spLocks noGrp="1"/>
+          </p:cNvSpPr>
+          <p:nvPr>
+            <p:ph idx="1"/>
+          </p:nvPr>
+        </p:nvSpPr>
+        <p:spPr/>
+        <p:txBody>
+          <a:bodyPr/>
+          <a:lstStyle/>
+          <a:p>
+            <a:r>
+              <a:rPr lang="en-CA" dirty="0"/>
+              <a:t>A reference is a type that signifies a variable is just a reference to another variable. </a:t>
+            </a:r>
+          </a:p>
+          <a:p>
+            <a:r>
+              <a:rPr lang="en-CA" dirty="0"/>
+              <a:t>To take a reference of a var, use &amp;var</a:t>
+            </a:r>
+            <a:br>
+              <a:rPr lang="en-CA" dirty="0"/>
+            </a:br>
+            <a:r>
+              <a:rPr lang="en-CA" dirty="0"/>
+              <a:t>for mut, &amp;mut var</a:t>
+            </a:r>
+          </a:p>
+          <a:p>
+            <a:r>
+              <a:rPr lang="en-US" sz="2000" b="0" dirty="0">
+                <a:solidFill>
+                  <a:srgbClr val="569CD6"/>
+                </a:solidFill>
+                <a:effectLst/>
+                <a:latin typeface="Consolas" panose="020B0609020204030204" pitchFamily="49" charset="0"/>
+              </a:rPr>
+              <a:t>let</a:t>
+            </a:r>
+            <a:r>
+              <a:rPr lang="en-US" sz="2000" b="0" dirty="0">
+                <a:solidFill>
+                  <a:srgbClr val="D4D4D4"/>
+                </a:solidFill>
+                <a:effectLst/>
+                <a:latin typeface="Consolas" panose="020B0609020204030204" pitchFamily="49" charset="0"/>
+              </a:rPr>
+              <a:t> </a:t>
+            </a:r>
+            <a:r>
+              <a:rPr lang="en-US" sz="2000" b="0" dirty="0">
+                <a:solidFill>
+                  <a:srgbClr val="569CD6"/>
+                </a:solidFill>
+                <a:effectLst/>
+                <a:latin typeface="Consolas" panose="020B0609020204030204" pitchFamily="49" charset="0"/>
+              </a:rPr>
+              <a:t>mut</a:t>
+            </a:r>
+            <a:r>
+              <a:rPr lang="en-US" sz="2000" b="0" dirty="0">
+                <a:solidFill>
+                  <a:srgbClr val="D4D4D4"/>
+                </a:solidFill>
+                <a:effectLst/>
+                <a:latin typeface="Consolas" panose="020B0609020204030204" pitchFamily="49" charset="0"/>
+              </a:rPr>
+              <a:t> </a:t>
+            </a:r>
+            <a:r>
+              <a:rPr lang="en-US" sz="2000" b="0" dirty="0">
+                <a:solidFill>
+                  <a:srgbClr val="9CDCFE"/>
+                </a:solidFill>
+                <a:effectLst/>
+                <a:latin typeface="Consolas" panose="020B0609020204030204" pitchFamily="49" charset="0"/>
+              </a:rPr>
+              <a:t>x</a:t>
+            </a:r>
+            <a:r>
+              <a:rPr lang="en-US" sz="2000" b="0" dirty="0">
+                <a:solidFill>
+                  <a:srgbClr val="D4D4D4"/>
+                </a:solidFill>
+                <a:effectLst/>
+                <a:latin typeface="Consolas" panose="020B0609020204030204" pitchFamily="49" charset="0"/>
+              </a:rPr>
+              <a:t>: </a:t>
+            </a:r>
+            <a:r>
+              <a:rPr lang="en-US" sz="2000" b="0" dirty="0">
+                <a:solidFill>
+                  <a:srgbClr val="4EC9B0"/>
+                </a:solidFill>
+                <a:effectLst/>
+                <a:latin typeface="Consolas" panose="020B0609020204030204" pitchFamily="49" charset="0"/>
+              </a:rPr>
+              <a:t>i32</a:t>
+            </a:r>
+            <a:r>
+              <a:rPr lang="en-US" sz="2000" b="0" dirty="0">
+                <a:solidFill>
+                  <a:srgbClr val="D4D4D4"/>
+                </a:solidFill>
+                <a:effectLst/>
+                <a:latin typeface="Consolas" panose="020B0609020204030204" pitchFamily="49" charset="0"/>
+              </a:rPr>
+              <a:t> = </a:t>
+            </a:r>
+            <a:r>
+              <a:rPr lang="en-US" sz="2000" b="0" dirty="0">
+                <a:solidFill>
+                  <a:srgbClr val="B5CEA8"/>
+                </a:solidFill>
+                <a:effectLst/>
+                <a:latin typeface="Consolas" panose="020B0609020204030204" pitchFamily="49" charset="0"/>
+              </a:rPr>
+              <a:t>5</a:t>
+            </a:r>
+            <a:r>
+              <a:rPr lang="en-US" sz="2000" b="0" dirty="0">
+                <a:solidFill>
+                  <a:srgbClr val="D4D4D4"/>
+                </a:solidFill>
+                <a:effectLst/>
+                <a:latin typeface="Consolas" panose="020B0609020204030204" pitchFamily="49" charset="0"/>
+              </a:rPr>
+              <a:t>;</a:t>
+            </a:r>
+            <a:br>
+              <a:rPr lang="en-US" sz="2000" b="0" dirty="0">
+                <a:solidFill>
+                  <a:srgbClr val="D4D4D4"/>
+                </a:solidFill>
+                <a:effectLst/>
+                <a:latin typeface="Consolas" panose="020B0609020204030204" pitchFamily="49" charset="0"/>
+              </a:rPr>
+            </a:br>
+            <a:r>
+              <a:rPr lang="en-US" sz="2000" b="0" dirty="0">
+                <a:solidFill>
+                  <a:srgbClr val="569CD6"/>
+                </a:solidFill>
+                <a:effectLst/>
+                <a:latin typeface="Consolas" panose="020B0609020204030204" pitchFamily="49" charset="0"/>
+              </a:rPr>
+              <a:t>let</a:t>
+            </a:r>
+            <a:r>
+              <a:rPr lang="en-US" sz="2000" b="0" dirty="0">
+                <a:solidFill>
+                  <a:srgbClr val="D4D4D4"/>
+                </a:solidFill>
+                <a:effectLst/>
+                <a:latin typeface="Consolas" panose="020B0609020204030204" pitchFamily="49" charset="0"/>
+              </a:rPr>
+              <a:t> </a:t>
+            </a:r>
+            <a:r>
+              <a:rPr lang="en-US" sz="2000" b="0" dirty="0">
+                <a:solidFill>
+                  <a:srgbClr val="9CDCFE"/>
+                </a:solidFill>
+                <a:effectLst/>
+                <a:latin typeface="Consolas" panose="020B0609020204030204" pitchFamily="49" charset="0"/>
+              </a:rPr>
+              <a:t>y</a:t>
+            </a:r>
+            <a:r>
+              <a:rPr lang="en-US" sz="2000" b="0" dirty="0">
+                <a:solidFill>
+                  <a:srgbClr val="D4D4D4"/>
+                </a:solidFill>
+                <a:effectLst/>
+                <a:latin typeface="Consolas" panose="020B0609020204030204" pitchFamily="49" charset="0"/>
+              </a:rPr>
+              <a:t>: &amp;</a:t>
+            </a:r>
+            <a:r>
+              <a:rPr lang="en-US" sz="2000" b="0" dirty="0">
+                <a:solidFill>
+                  <a:srgbClr val="569CD6"/>
+                </a:solidFill>
+                <a:effectLst/>
+                <a:latin typeface="Consolas" panose="020B0609020204030204" pitchFamily="49" charset="0"/>
+              </a:rPr>
+              <a:t>mut</a:t>
+            </a:r>
+            <a:r>
+              <a:rPr lang="en-US" sz="2000" b="0" dirty="0">
+                <a:solidFill>
+                  <a:srgbClr val="D4D4D4"/>
+                </a:solidFill>
+                <a:effectLst/>
+                <a:latin typeface="Consolas" panose="020B0609020204030204" pitchFamily="49" charset="0"/>
+              </a:rPr>
+              <a:t> </a:t>
+            </a:r>
+            <a:r>
+              <a:rPr lang="en-US" sz="2000" b="0" dirty="0">
+                <a:solidFill>
+                  <a:srgbClr val="4EC9B0"/>
+                </a:solidFill>
+                <a:effectLst/>
+                <a:latin typeface="Consolas" panose="020B0609020204030204" pitchFamily="49" charset="0"/>
+              </a:rPr>
+              <a:t>i32</a:t>
+            </a:r>
+            <a:r>
+              <a:rPr lang="en-US" sz="2000" b="0" dirty="0">
+                <a:solidFill>
+                  <a:srgbClr val="D4D4D4"/>
+                </a:solidFill>
+                <a:effectLst/>
+                <a:latin typeface="Consolas" panose="020B0609020204030204" pitchFamily="49" charset="0"/>
+              </a:rPr>
+              <a:t> = &amp;</a:t>
+            </a:r>
+            <a:r>
+              <a:rPr lang="en-US" sz="2000" b="0" dirty="0">
+                <a:solidFill>
+                  <a:srgbClr val="569CD6"/>
+                </a:solidFill>
+                <a:effectLst/>
+                <a:latin typeface="Consolas" panose="020B0609020204030204" pitchFamily="49" charset="0"/>
+              </a:rPr>
+              <a:t>mut</a:t>
+            </a:r>
+            <a:r>
+              <a:rPr lang="en-US" sz="2000" b="0" dirty="0">
+                <a:solidFill>
+                  <a:srgbClr val="D4D4D4"/>
+                </a:solidFill>
+                <a:effectLst/>
+                <a:latin typeface="Consolas" panose="020B0609020204030204" pitchFamily="49" charset="0"/>
+              </a:rPr>
+              <a:t> </a:t>
+            </a:r>
+            <a:r>
+              <a:rPr lang="en-US" sz="2000" b="0" dirty="0">
+                <a:solidFill>
+                  <a:srgbClr val="9CDCFE"/>
+                </a:solidFill>
+                <a:effectLst/>
+                <a:latin typeface="Consolas" panose="020B0609020204030204" pitchFamily="49" charset="0"/>
+              </a:rPr>
+              <a:t>x</a:t>
+            </a:r>
+            <a:r>
+              <a:rPr lang="en-US" sz="2000" b="0" dirty="0">
+                <a:solidFill>
+                  <a:srgbClr val="D4D4D4"/>
+                </a:solidFill>
+                <a:effectLst/>
+                <a:latin typeface="Consolas" panose="020B0609020204030204" pitchFamily="49" charset="0"/>
+              </a:rPr>
+              <a:t>;</a:t>
+            </a:r>
+            <a:r>
+              <a:rPr lang="en-US" sz="2000" b="0" dirty="0">
+                <a:solidFill>
+                  <a:srgbClr val="6A9955"/>
+                </a:solidFill>
+                <a:effectLst/>
+                <a:latin typeface="Consolas" panose="020B0609020204030204" pitchFamily="49" charset="0"/>
+              </a:rPr>
+              <a:t> //make a ref to var x</a:t>
+            </a:r>
+            <a:br>
+              <a:rPr lang="en-US" sz="2000" dirty="0">
+                <a:solidFill>
+                  <a:srgbClr val="D4D4D4"/>
+                </a:solidFill>
+                <a:latin typeface="Consolas" panose="020B0609020204030204" pitchFamily="49" charset="0"/>
+              </a:rPr>
+            </a:br>
+            <a:r>
+              <a:rPr lang="en-US" sz="2000" b="0" dirty="0">
+                <a:solidFill>
+                  <a:srgbClr val="D4D4D4"/>
+                </a:solidFill>
+                <a:effectLst/>
+                <a:latin typeface="Consolas" panose="020B0609020204030204" pitchFamily="49" charset="0"/>
+              </a:rPr>
+              <a:t>*</a:t>
+            </a:r>
+            <a:r>
+              <a:rPr lang="en-US" sz="2000" b="0" dirty="0">
+                <a:solidFill>
+                  <a:srgbClr val="9CDCFE"/>
+                </a:solidFill>
+                <a:effectLst/>
+                <a:latin typeface="Consolas" panose="020B0609020204030204" pitchFamily="49" charset="0"/>
+              </a:rPr>
+              <a:t>y</a:t>
+            </a:r>
+            <a:r>
+              <a:rPr lang="en-US" sz="2000" b="0" dirty="0">
+                <a:solidFill>
+                  <a:srgbClr val="D4D4D4"/>
+                </a:solidFill>
+                <a:effectLst/>
+                <a:latin typeface="Consolas" panose="020B0609020204030204" pitchFamily="49" charset="0"/>
+              </a:rPr>
+              <a:t> = </a:t>
+            </a:r>
+            <a:r>
+              <a:rPr lang="en-US" sz="2000" b="0" dirty="0">
+                <a:solidFill>
+                  <a:srgbClr val="B5CEA8"/>
+                </a:solidFill>
+                <a:effectLst/>
+                <a:latin typeface="Consolas" panose="020B0609020204030204" pitchFamily="49" charset="0"/>
+              </a:rPr>
+              <a:t>6</a:t>
+            </a:r>
+            <a:r>
+              <a:rPr lang="en-US" sz="2000" b="0" dirty="0">
+                <a:solidFill>
+                  <a:srgbClr val="D4D4D4"/>
+                </a:solidFill>
+                <a:effectLst/>
+                <a:latin typeface="Consolas" panose="020B0609020204030204" pitchFamily="49" charset="0"/>
+              </a:rPr>
+              <a:t>;</a:t>
+            </a:r>
+            <a:r>
+              <a:rPr lang="en-US" sz="2000" b="0" dirty="0">
+                <a:solidFill>
+                  <a:srgbClr val="6A9955"/>
+                </a:solidFill>
+                <a:effectLst/>
+                <a:latin typeface="Consolas" panose="020B0609020204030204" pitchFamily="49" charset="0"/>
+              </a:rPr>
+              <a:t> //change value of y to 6</a:t>
+            </a:r>
+            <a:br>
+              <a:rPr lang="en-US" sz="2000" dirty="0">
+                <a:solidFill>
+                  <a:srgbClr val="D4D4D4"/>
+                </a:solidFill>
+                <a:latin typeface="Consolas" panose="020B0609020204030204" pitchFamily="49" charset="0"/>
+              </a:rPr>
+            </a:br>
+            <a:r>
+              <a:rPr lang="en-US" sz="2000" b="0" dirty="0" err="1">
+                <a:solidFill>
+                  <a:srgbClr val="DCDCAA"/>
+                </a:solidFill>
+                <a:effectLst/>
+                <a:latin typeface="Consolas" panose="020B0609020204030204" pitchFamily="49" charset="0"/>
+              </a:rPr>
+              <a:t>println</a:t>
+            </a:r>
+            <a:r>
+              <a:rPr lang="en-US" sz="2000" b="0" dirty="0">
+                <a:solidFill>
+                  <a:srgbClr val="DCDCAA"/>
+                </a:solidFill>
+                <a:effectLst/>
+                <a:latin typeface="Consolas" panose="020B0609020204030204" pitchFamily="49" charset="0"/>
+              </a:rPr>
+              <a:t>!</a:t>
+            </a:r>
+            <a:r>
+              <a:rPr lang="en-US" sz="2000" b="0" dirty="0">
+                <a:solidFill>
+                  <a:srgbClr val="D4D4D4"/>
+                </a:solidFill>
+                <a:effectLst/>
+                <a:latin typeface="Consolas" panose="020B0609020204030204" pitchFamily="49" charset="0"/>
+              </a:rPr>
+              <a:t>(</a:t>
+            </a:r>
+            <a:r>
+              <a:rPr lang="en-US" sz="2000" b="0" dirty="0">
+                <a:solidFill>
+                  <a:srgbClr val="CE9178"/>
+                </a:solidFill>
+                <a:effectLst/>
+                <a:latin typeface="Consolas" panose="020B0609020204030204" pitchFamily="49" charset="0"/>
+              </a:rPr>
+              <a:t>"{}"</a:t>
+            </a:r>
+            <a:r>
+              <a:rPr lang="en-US" sz="2000" b="0" dirty="0">
+                <a:solidFill>
+                  <a:srgbClr val="D4D4D4"/>
+                </a:solidFill>
+                <a:effectLst/>
+                <a:latin typeface="Consolas" panose="020B0609020204030204" pitchFamily="49" charset="0"/>
+              </a:rPr>
+              <a:t>, </a:t>
+            </a:r>
+            <a:r>
+              <a:rPr lang="en-US" sz="2000" b="0" dirty="0">
+                <a:solidFill>
+                  <a:srgbClr val="9CDCFE"/>
+                </a:solidFill>
+                <a:effectLst/>
+                <a:latin typeface="Consolas" panose="020B0609020204030204" pitchFamily="49" charset="0"/>
+              </a:rPr>
+              <a:t>x</a:t>
+            </a:r>
+            <a:r>
+              <a:rPr lang="en-US" sz="2000" b="0" dirty="0">
+                <a:solidFill>
+                  <a:srgbClr val="D4D4D4"/>
+                </a:solidFill>
+                <a:effectLst/>
+                <a:latin typeface="Consolas" panose="020B0609020204030204" pitchFamily="49" charset="0"/>
+              </a:rPr>
+              <a:t>);</a:t>
+            </a:r>
+            <a:r>
+              <a:rPr lang="en-US" sz="2000" b="0" dirty="0">
+                <a:solidFill>
+                  <a:srgbClr val="6A9955"/>
+                </a:solidFill>
+                <a:effectLst/>
+                <a:latin typeface="Consolas" panose="020B0609020204030204" pitchFamily="49" charset="0"/>
+              </a:rPr>
+              <a:t> //prints 6 instead of 5</a:t>
+            </a:r>
+            <a:endParaRPr lang="en-US" sz="2000" b="0" dirty="0">
+              <a:solidFill>
+                <a:srgbClr val="D4D4D4"/>
+              </a:solidFill>
+              <a:effectLst/>
+              <a:latin typeface="Consolas" panose="020B0609020204030204" pitchFamily="49" charset="0"/>
+            </a:endParaRPr>
+          </a:p>
+          <a:p>
+            <a:r>
+              <a:rPr lang="en-CA" dirty="0"/>
+              <a:t>There is a difference between ref and mut ref</a:t>
+            </a:r>
+            <a:br>
+              <a:rPr lang="en-CA" dirty="0"/>
+            </a:br>
+            <a:r>
+              <a:rPr lang="en-CA" dirty="0" err="1"/>
+              <a:t>ref</a:t>
+            </a:r>
+            <a:r>
+              <a:rPr lang="en-CA" dirty="0"/>
+              <a:t> is read only</a:t>
+            </a:r>
+            <a:br>
+              <a:rPr lang="en-CA" dirty="0"/>
+            </a:br>
+            <a:r>
+              <a:rPr lang="en-CA" dirty="0"/>
+              <a:t>mut ref can be mutated</a:t>
+            </a:r>
+          </a:p>
+          <a:p>
+            <a:endParaRPr lang="en-CA" dirty="0"/>
+          </a:p>
+        </p:txBody>
+      </p:sp>
+    </p:spTree>
+    <p:extLst>
+      <p:ext uri="{BB962C8B-B14F-4D97-AF65-F5344CB8AC3E}">
+        <p14:creationId xmlns:p14="http://schemas.microsoft.com/office/powerpoint/2010/main" val="1641895252"/>
+      </p:ext>
+    </p:extLst>
+  </p:cSld>
+  <p:clrMapOvr>
+    <a:masterClrMapping/>
+  </p:clrMapOvr>
+</p:sld>
+</file>
+
+<file path=ppt/slides/slide11.xml><?xml version="1.0" encoding="utf-8"?>
+<p:sld xmlns:a="http://schemas.openxmlformats.org/drawingml/2006/main" xmlns:r="http://schemas.openxmlformats.org/officeDocument/2006/relationships" xmlns:p="http://schemas.openxmlformats.org/presentationml/2006/main">
+  <p:cSld>
+    <p:spTree>
+      <p:nvGrpSpPr>
+        <p:cNvPr id="1" name=""/>
+        <p:cNvGrpSpPr/>
+        <p:nvPr/>
+      </p:nvGrpSpPr>
+      <p:grpSpPr>
+        <a:xfrm>
+          <a:off x="0" y="0"/>
+          <a:ext cx="0" cy="0"/>
+          <a:chOff x="0" y="0"/>
+          <a:chExt cx="0" cy="0"/>
+        </a:xfrm>
+      </p:grpSpPr>
+      <p:sp>
+        <p:nvSpPr>
+          <p:cNvPr id="2" name="Title 1">
+            <a:extLst>
+              <a:ext uri="{FF2B5EF4-FFF2-40B4-BE49-F238E27FC236}">
                 <a16:creationId xmlns:a16="http://schemas.microsoft.com/office/drawing/2014/main" id="{6CA4C88A-462D-4D59-9449-865DA89476DE}"/>
               </a:ext>
             </a:extLst>
@@ -6320,7 +6851,7 @@
 </p:sld>
 </file>
 
-<file path=ppt/slides/slide11.xml><?xml version="1.0" encoding="utf-8"?>
+<file path=ppt/slides/slide12.xml><?xml version="1.0" encoding="utf-8"?>
 <p:sld xmlns:a="http://schemas.openxmlformats.org/drawingml/2006/main" xmlns:r="http://schemas.openxmlformats.org/officeDocument/2006/relationships" xmlns:p="http://schemas.openxmlformats.org/presentationml/2006/main">
   <p:cSld>
     <p:spTree>
@@ -7178,7 +7709,7 @@
 </p:sld>
 </file>
 
-<file path=ppt/slides/slide12.xml><?xml version="1.0" encoding="utf-8"?>
+<file path=ppt/slides/slide13.xml><?xml version="1.0" encoding="utf-8"?>
 <p:sld xmlns:a="http://schemas.openxmlformats.org/drawingml/2006/main" xmlns:r="http://schemas.openxmlformats.org/officeDocument/2006/relationships" xmlns:p="http://schemas.openxmlformats.org/presentationml/2006/main">
   <p:cSld>
     <p:spTree>
@@ -7678,7 +8209,7 @@
 </p:sld>
 </file>
 
-<file path=ppt/slides/slide13.xml><?xml version="1.0" encoding="utf-8"?>
+<file path=ppt/slides/slide14.xml><?xml version="1.0" encoding="utf-8"?>
 <p:sld xmlns:a="http://schemas.openxmlformats.org/drawingml/2006/main" xmlns:r="http://schemas.openxmlformats.org/officeDocument/2006/relationships" xmlns:p="http://schemas.openxmlformats.org/presentationml/2006/main">
   <p:cSld>
     <p:spTree>
@@ -8603,7 +9134,7 @@
 </p:sld>
 </file>
 
-<file path=ppt/slides/slide14.xml><?xml version="1.0" encoding="utf-8"?>
+<file path=ppt/slides/slide15.xml><?xml version="1.0" encoding="utf-8"?>
 <p:sld xmlns:a="http://schemas.openxmlformats.org/drawingml/2006/main" xmlns:r="http://schemas.openxmlformats.org/officeDocument/2006/relationships" xmlns:p="http://schemas.openxmlformats.org/presentationml/2006/main">
   <p:cSld>
     <p:spTree>
@@ -9587,7 +10118,7 @@
 </p:sld>
 </file>
 
-<file path=ppt/slides/slide15.xml><?xml version="1.0" encoding="utf-8"?>
+<file path=ppt/slides/slide16.xml><?xml version="1.0" encoding="utf-8"?>
 <p:sld xmlns:a="http://schemas.openxmlformats.org/drawingml/2006/main" xmlns:r="http://schemas.openxmlformats.org/officeDocument/2006/relationships" xmlns:p="http://schemas.openxmlformats.org/presentationml/2006/main">
   <p:cSld>
     <p:spTree>
@@ -10914,7 +11445,7 @@
 </p:sld>
 </file>
 
-<file path=ppt/slides/slide16.xml><?xml version="1.0" encoding="utf-8"?>
+<file path=ppt/slides/slide17.xml><?xml version="1.0" encoding="utf-8"?>
 <p:sld xmlns:a="http://schemas.openxmlformats.org/drawingml/2006/main" xmlns:r="http://schemas.openxmlformats.org/officeDocument/2006/relationships" xmlns:p="http://schemas.openxmlformats.org/presentationml/2006/main">
   <p:cSld>
     <p:spTree>
@@ -11143,7 +11674,7 @@
 </p:sld>
 </file>
 
-<file path=ppt/slides/slide17.xml><?xml version="1.0" encoding="utf-8"?>
+<file path=ppt/slides/slide18.xml><?xml version="1.0" encoding="utf-8"?>
 <p:sld xmlns:a="http://schemas.openxmlformats.org/drawingml/2006/main" xmlns:r="http://schemas.openxmlformats.org/officeDocument/2006/relationships" xmlns:p="http://schemas.openxmlformats.org/presentationml/2006/main">
   <p:cSld>
     <p:spTree>
@@ -12166,7 +12697,7 @@
 </p:sld>
 </file>
 
-<file path=ppt/slides/slide18.xml><?xml version="1.0" encoding="utf-8"?>
+<file path=ppt/slides/slide19.xml><?xml version="1.0" encoding="utf-8"?>
 <p:sld xmlns:a="http://schemas.openxmlformats.org/drawingml/2006/main" xmlns:r="http://schemas.openxmlformats.org/officeDocument/2006/relationships" xmlns:p="http://schemas.openxmlformats.org/presentationml/2006/main">
   <p:cSld>
     <p:spTree>
@@ -13142,975 +13673,6 @@
     <p:extLst>
       <p:ext uri="{BB962C8B-B14F-4D97-AF65-F5344CB8AC3E}">
         <p14:creationId xmlns:p14="http://schemas.microsoft.com/office/powerpoint/2010/main" val="739264291"/>
-      </p:ext>
-    </p:extLst>
-  </p:cSld>
-  <p:clrMapOvr>
-    <a:masterClrMapping/>
-  </p:clrMapOvr>
-</p:sld>
-</file>
-
-<file path=ppt/slides/slide19.xml><?xml version="1.0" encoding="utf-8"?>
-<p:sld xmlns:a="http://schemas.openxmlformats.org/drawingml/2006/main" xmlns:r="http://schemas.openxmlformats.org/officeDocument/2006/relationships" xmlns:p="http://schemas.openxmlformats.org/presentationml/2006/main">
-  <p:cSld>
-    <p:spTree>
-      <p:nvGrpSpPr>
-        <p:cNvPr id="1" name=""/>
-        <p:cNvGrpSpPr/>
-        <p:nvPr/>
-      </p:nvGrpSpPr>
-      <p:grpSpPr>
-        <a:xfrm>
-          <a:off x="0" y="0"/>
-          <a:ext cx="0" cy="0"/>
-          <a:chOff x="0" y="0"/>
-          <a:chExt cx="0" cy="0"/>
-        </a:xfrm>
-      </p:grpSpPr>
-      <p:sp>
-        <p:nvSpPr>
-          <p:cNvPr id="2" name="Title 1">
-            <a:extLst>
-              <a:ext uri="{FF2B5EF4-FFF2-40B4-BE49-F238E27FC236}">
-                <a16:creationId xmlns:a16="http://schemas.microsoft.com/office/drawing/2014/main" id="{CC27DAE4-9BE8-4345-8E32-3B64EBDD142B}"/>
-              </a:ext>
-            </a:extLst>
-          </p:cNvPr>
-          <p:cNvSpPr>
-            <a:spLocks noGrp="1"/>
-          </p:cNvSpPr>
-          <p:nvPr>
-            <p:ph type="title"/>
-          </p:nvPr>
-        </p:nvSpPr>
-        <p:spPr/>
-        <p:txBody>
-          <a:bodyPr/>
-          <a:lstStyle/>
-          <a:p>
-            <a:r>
-              <a:rPr lang="en-CA" dirty="0"/>
-              <a:t>Result</a:t>
-            </a:r>
-          </a:p>
-        </p:txBody>
-      </p:sp>
-      <p:sp>
-        <p:nvSpPr>
-          <p:cNvPr id="3" name="Content Placeholder 2">
-            <a:extLst>
-              <a:ext uri="{FF2B5EF4-FFF2-40B4-BE49-F238E27FC236}">
-                <a16:creationId xmlns:a16="http://schemas.microsoft.com/office/drawing/2014/main" id="{44B1565C-A8C1-4D16-9061-0D6DC37B144C}"/>
-              </a:ext>
-            </a:extLst>
-          </p:cNvPr>
-          <p:cNvSpPr>
-            <a:spLocks noGrp="1"/>
-          </p:cNvSpPr>
-          <p:nvPr>
-            <p:ph idx="1"/>
-          </p:nvPr>
-        </p:nvSpPr>
-        <p:spPr>
-          <a:xfrm>
-            <a:off x="1104293" y="1725747"/>
-            <a:ext cx="10338290" cy="4195481"/>
-          </a:xfrm>
-        </p:spPr>
-        <p:txBody>
-          <a:bodyPr>
-            <a:normAutofit/>
-          </a:bodyPr>
-          <a:lstStyle/>
-          <a:p>
-            <a:r>
-              <a:rPr lang="en-CA" b="0" dirty="0">
-                <a:solidFill>
-                  <a:srgbClr val="6A9955"/>
-                </a:solidFill>
-                <a:effectLst/>
-                <a:latin typeface="Consolas" panose="020B0609020204030204" pitchFamily="49" charset="0"/>
-              </a:rPr>
-              <a:t>// this is how Result looks, you can't write that</a:t>
-            </a:r>
-            <a:br>
-              <a:rPr lang="en-CA" b="0" dirty="0">
-                <a:solidFill>
-                  <a:srgbClr val="6A9955"/>
-                </a:solidFill>
-                <a:effectLst/>
-                <a:latin typeface="Consolas" panose="020B0609020204030204" pitchFamily="49" charset="0"/>
-              </a:rPr>
-            </a:br>
-            <a:r>
-              <a:rPr lang="en-CA" b="0" dirty="0" err="1">
-                <a:solidFill>
-                  <a:srgbClr val="569CD6"/>
-                </a:solidFill>
-                <a:effectLst/>
-                <a:latin typeface="Consolas" panose="020B0609020204030204" pitchFamily="49" charset="0"/>
-              </a:rPr>
-              <a:t>enum</a:t>
-            </a:r>
-            <a:r>
-              <a:rPr lang="en-CA" b="0" dirty="0">
-                <a:solidFill>
-                  <a:srgbClr val="D4D4D4"/>
-                </a:solidFill>
-                <a:effectLst/>
-                <a:latin typeface="Consolas" panose="020B0609020204030204" pitchFamily="49" charset="0"/>
-              </a:rPr>
-              <a:t> </a:t>
-            </a:r>
-            <a:r>
-              <a:rPr lang="en-CA" b="0" dirty="0">
-                <a:solidFill>
-                  <a:srgbClr val="4EC9B0"/>
-                </a:solidFill>
-                <a:effectLst/>
-                <a:latin typeface="Consolas" panose="020B0609020204030204" pitchFamily="49" charset="0"/>
-              </a:rPr>
-              <a:t>Result</a:t>
-            </a:r>
-            <a:r>
-              <a:rPr lang="en-CA" b="0" dirty="0">
-                <a:solidFill>
-                  <a:srgbClr val="D4D4D4"/>
-                </a:solidFill>
-                <a:effectLst/>
-                <a:latin typeface="Consolas" panose="020B0609020204030204" pitchFamily="49" charset="0"/>
-              </a:rPr>
-              <a:t> {</a:t>
-            </a:r>
-            <a:br>
-              <a:rPr lang="en-CA" b="0" dirty="0">
-                <a:solidFill>
-                  <a:srgbClr val="D4D4D4"/>
-                </a:solidFill>
-                <a:effectLst/>
-                <a:latin typeface="Consolas" panose="020B0609020204030204" pitchFamily="49" charset="0"/>
-              </a:rPr>
-            </a:br>
-            <a:r>
-              <a:rPr lang="en-CA" b="0" dirty="0">
-                <a:solidFill>
-                  <a:srgbClr val="D4D4D4"/>
-                </a:solidFill>
-                <a:effectLst/>
-                <a:latin typeface="Consolas" panose="020B0609020204030204" pitchFamily="49" charset="0"/>
-              </a:rPr>
-              <a:t>    </a:t>
-            </a:r>
-            <a:r>
-              <a:rPr lang="en-CA" b="0" dirty="0">
-                <a:solidFill>
-                  <a:srgbClr val="4EC9B0"/>
-                </a:solidFill>
-                <a:effectLst/>
-                <a:latin typeface="Consolas" panose="020B0609020204030204" pitchFamily="49" charset="0"/>
-              </a:rPr>
-              <a:t>Ok</a:t>
-            </a:r>
-            <a:r>
-              <a:rPr lang="en-CA" b="0" dirty="0">
-                <a:solidFill>
-                  <a:srgbClr val="D4D4D4"/>
-                </a:solidFill>
-                <a:effectLst/>
-                <a:latin typeface="Consolas" panose="020B0609020204030204" pitchFamily="49" charset="0"/>
-              </a:rPr>
-              <a:t>(</a:t>
-            </a:r>
-            <a:r>
-              <a:rPr lang="en-CA" b="0" dirty="0">
-                <a:solidFill>
-                  <a:srgbClr val="4EC9B0"/>
-                </a:solidFill>
-                <a:effectLst/>
-                <a:latin typeface="Consolas" panose="020B0609020204030204" pitchFamily="49" charset="0"/>
-              </a:rPr>
-              <a:t>T</a:t>
-            </a:r>
-            <a:r>
-              <a:rPr lang="en-CA" b="0" dirty="0">
-                <a:solidFill>
-                  <a:srgbClr val="D4D4D4"/>
-                </a:solidFill>
-                <a:effectLst/>
-                <a:latin typeface="Consolas" panose="020B0609020204030204" pitchFamily="49" charset="0"/>
-              </a:rPr>
-              <a:t>),</a:t>
-            </a:r>
-            <a:br>
-              <a:rPr lang="en-CA" b="0" dirty="0">
-                <a:solidFill>
-                  <a:srgbClr val="D4D4D4"/>
-                </a:solidFill>
-                <a:effectLst/>
-                <a:latin typeface="Consolas" panose="020B0609020204030204" pitchFamily="49" charset="0"/>
-              </a:rPr>
-            </a:br>
-            <a:r>
-              <a:rPr lang="en-CA" b="0" dirty="0">
-                <a:solidFill>
-                  <a:srgbClr val="D4D4D4"/>
-                </a:solidFill>
-                <a:effectLst/>
-                <a:latin typeface="Consolas" panose="020B0609020204030204" pitchFamily="49" charset="0"/>
-              </a:rPr>
-              <a:t>    </a:t>
-            </a:r>
-            <a:r>
-              <a:rPr lang="en-CA" b="0" dirty="0">
-                <a:solidFill>
-                  <a:srgbClr val="4EC9B0"/>
-                </a:solidFill>
-                <a:effectLst/>
-                <a:latin typeface="Consolas" panose="020B0609020204030204" pitchFamily="49" charset="0"/>
-              </a:rPr>
-              <a:t>Err</a:t>
-            </a:r>
-            <a:r>
-              <a:rPr lang="en-CA" b="0" dirty="0">
-                <a:solidFill>
-                  <a:srgbClr val="D4D4D4"/>
-                </a:solidFill>
-                <a:effectLst/>
-                <a:latin typeface="Consolas" panose="020B0609020204030204" pitchFamily="49" charset="0"/>
-              </a:rPr>
-              <a:t>(</a:t>
-            </a:r>
-            <a:r>
-              <a:rPr lang="en-CA" b="0" dirty="0">
-                <a:solidFill>
-                  <a:srgbClr val="4EC9B0"/>
-                </a:solidFill>
-                <a:effectLst/>
-                <a:latin typeface="Consolas" panose="020B0609020204030204" pitchFamily="49" charset="0"/>
-              </a:rPr>
-              <a:t>E</a:t>
-            </a:r>
-            <a:r>
-              <a:rPr lang="en-CA" b="0" dirty="0">
-                <a:solidFill>
-                  <a:srgbClr val="D4D4D4"/>
-                </a:solidFill>
-                <a:effectLst/>
-                <a:latin typeface="Consolas" panose="020B0609020204030204" pitchFamily="49" charset="0"/>
-              </a:rPr>
-              <a:t>),</a:t>
-            </a:r>
-            <a:br>
-              <a:rPr lang="en-CA" b="0" dirty="0">
-                <a:solidFill>
-                  <a:srgbClr val="D4D4D4"/>
-                </a:solidFill>
-                <a:effectLst/>
-                <a:latin typeface="Consolas" panose="020B0609020204030204" pitchFamily="49" charset="0"/>
-              </a:rPr>
-            </a:br>
-            <a:r>
-              <a:rPr lang="en-CA" b="0" dirty="0">
-                <a:solidFill>
-                  <a:srgbClr val="D4D4D4"/>
-                </a:solidFill>
-                <a:effectLst/>
-                <a:latin typeface="Consolas" panose="020B0609020204030204" pitchFamily="49" charset="0"/>
-              </a:rPr>
-              <a:t>}</a:t>
-            </a:r>
-            <a:br>
-              <a:rPr lang="en-CA" b="0" dirty="0">
-                <a:solidFill>
-                  <a:srgbClr val="D4D4D4"/>
-                </a:solidFill>
-                <a:effectLst/>
-                <a:latin typeface="Consolas" panose="020B0609020204030204" pitchFamily="49" charset="0"/>
-              </a:rPr>
-            </a:br>
-            <a:r>
-              <a:rPr lang="en-CA" b="0" dirty="0">
-                <a:solidFill>
-                  <a:srgbClr val="6A9955"/>
-                </a:solidFill>
-                <a:effectLst/>
-                <a:latin typeface="Consolas" panose="020B0609020204030204" pitchFamily="49" charset="0"/>
-              </a:rPr>
-              <a:t>// Some and None are imported by default in Rust</a:t>
-            </a:r>
-            <a:br>
-              <a:rPr lang="en-CA" b="0" dirty="0">
-                <a:solidFill>
-                  <a:srgbClr val="6A9955"/>
-                </a:solidFill>
-                <a:effectLst/>
-                <a:latin typeface="Consolas" panose="020B0609020204030204" pitchFamily="49" charset="0"/>
-              </a:rPr>
-            </a:br>
-            <a:r>
-              <a:rPr lang="en-CA" b="0" dirty="0">
-                <a:solidFill>
-                  <a:srgbClr val="569CD6"/>
-                </a:solidFill>
-                <a:effectLst/>
-                <a:latin typeface="Consolas" panose="020B0609020204030204" pitchFamily="49" charset="0"/>
-              </a:rPr>
-              <a:t>let</a:t>
-            </a:r>
-            <a:r>
-              <a:rPr lang="en-CA" b="0" dirty="0">
-                <a:solidFill>
-                  <a:srgbClr val="D4D4D4"/>
-                </a:solidFill>
-                <a:effectLst/>
-                <a:latin typeface="Consolas" panose="020B0609020204030204" pitchFamily="49" charset="0"/>
-              </a:rPr>
-              <a:t> </a:t>
-            </a:r>
-            <a:r>
-              <a:rPr lang="en-CA" b="0" dirty="0">
-                <a:solidFill>
-                  <a:srgbClr val="9CDCFE"/>
-                </a:solidFill>
-                <a:effectLst/>
-                <a:latin typeface="Consolas" panose="020B0609020204030204" pitchFamily="49" charset="0"/>
-              </a:rPr>
-              <a:t>var1</a:t>
-            </a:r>
-            <a:r>
-              <a:rPr lang="en-CA" b="0" dirty="0">
-                <a:solidFill>
-                  <a:srgbClr val="D4D4D4"/>
-                </a:solidFill>
-                <a:effectLst/>
-                <a:latin typeface="Consolas" panose="020B0609020204030204" pitchFamily="49" charset="0"/>
-              </a:rPr>
-              <a:t> = </a:t>
-            </a:r>
-            <a:r>
-              <a:rPr lang="en-CA" b="0" dirty="0">
-                <a:solidFill>
-                  <a:srgbClr val="4EC9B0"/>
-                </a:solidFill>
-                <a:effectLst/>
-                <a:latin typeface="Consolas" panose="020B0609020204030204" pitchFamily="49" charset="0"/>
-              </a:rPr>
-              <a:t>Ok</a:t>
-            </a:r>
-            <a:r>
-              <a:rPr lang="en-CA" b="0" dirty="0">
-                <a:solidFill>
-                  <a:srgbClr val="D4D4D4"/>
-                </a:solidFill>
-                <a:effectLst/>
-                <a:latin typeface="Consolas" panose="020B0609020204030204" pitchFamily="49" charset="0"/>
-              </a:rPr>
-              <a:t>(</a:t>
-            </a:r>
-            <a:r>
-              <a:rPr lang="en-CA" b="0" dirty="0">
-                <a:solidFill>
-                  <a:srgbClr val="569CD6"/>
-                </a:solidFill>
-                <a:effectLst/>
-                <a:latin typeface="Consolas" panose="020B0609020204030204" pitchFamily="49" charset="0"/>
-              </a:rPr>
-              <a:t>true</a:t>
-            </a:r>
-            <a:r>
-              <a:rPr lang="en-CA" b="0" dirty="0">
-                <a:solidFill>
-                  <a:srgbClr val="D4D4D4"/>
-                </a:solidFill>
-                <a:effectLst/>
-                <a:latin typeface="Consolas" panose="020B0609020204030204" pitchFamily="49" charset="0"/>
-              </a:rPr>
-              <a:t>);</a:t>
-            </a:r>
-            <a:r>
-              <a:rPr lang="en-CA" b="0" dirty="0">
-                <a:solidFill>
-                  <a:srgbClr val="6A9955"/>
-                </a:solidFill>
-                <a:effectLst/>
-                <a:latin typeface="Consolas" panose="020B0609020204030204" pitchFamily="49" charset="0"/>
-              </a:rPr>
-              <a:t> //var1 contains a value</a:t>
-            </a:r>
-            <a:br>
-              <a:rPr lang="en-CA" b="0" dirty="0">
-                <a:solidFill>
-                  <a:srgbClr val="6A9955"/>
-                </a:solidFill>
-                <a:effectLst/>
-                <a:latin typeface="Consolas" panose="020B0609020204030204" pitchFamily="49" charset="0"/>
-              </a:rPr>
-            </a:br>
-            <a:r>
-              <a:rPr lang="en-CA" b="0" dirty="0">
-                <a:solidFill>
-                  <a:srgbClr val="569CD6"/>
-                </a:solidFill>
-                <a:effectLst/>
-                <a:latin typeface="Consolas" panose="020B0609020204030204" pitchFamily="49" charset="0"/>
-              </a:rPr>
-              <a:t>let</a:t>
-            </a:r>
-            <a:r>
-              <a:rPr lang="en-CA" b="0" dirty="0">
-                <a:solidFill>
-                  <a:srgbClr val="D4D4D4"/>
-                </a:solidFill>
-                <a:effectLst/>
-                <a:latin typeface="Consolas" panose="020B0609020204030204" pitchFamily="49" charset="0"/>
-              </a:rPr>
-              <a:t> </a:t>
-            </a:r>
-            <a:r>
-              <a:rPr lang="en-CA" b="0" dirty="0">
-                <a:solidFill>
-                  <a:srgbClr val="9CDCFE"/>
-                </a:solidFill>
-                <a:effectLst/>
-                <a:latin typeface="Consolas" panose="020B0609020204030204" pitchFamily="49" charset="0"/>
-              </a:rPr>
-              <a:t>var2</a:t>
-            </a:r>
-            <a:r>
-              <a:rPr lang="en-CA" b="0" dirty="0">
-                <a:solidFill>
-                  <a:srgbClr val="D4D4D4"/>
-                </a:solidFill>
-                <a:effectLst/>
-                <a:latin typeface="Consolas" panose="020B0609020204030204" pitchFamily="49" charset="0"/>
-              </a:rPr>
-              <a:t> = </a:t>
-            </a:r>
-            <a:r>
-              <a:rPr lang="en-CA" b="0" dirty="0">
-                <a:solidFill>
-                  <a:srgbClr val="4EC9B0"/>
-                </a:solidFill>
-                <a:effectLst/>
-                <a:latin typeface="Consolas" panose="020B0609020204030204" pitchFamily="49" charset="0"/>
-              </a:rPr>
-              <a:t>Err</a:t>
-            </a:r>
-            <a:r>
-              <a:rPr lang="en-CA" b="0" dirty="0">
-                <a:solidFill>
-                  <a:srgbClr val="D4D4D4"/>
-                </a:solidFill>
-                <a:effectLst/>
-                <a:latin typeface="Consolas" panose="020B0609020204030204" pitchFamily="49" charset="0"/>
-              </a:rPr>
-              <a:t>(</a:t>
-            </a:r>
-            <a:r>
-              <a:rPr lang="en-CA" b="0" dirty="0">
-                <a:solidFill>
-                  <a:srgbClr val="4EC9B0"/>
-                </a:solidFill>
-                <a:effectLst/>
-                <a:latin typeface="Consolas" panose="020B0609020204030204" pitchFamily="49" charset="0"/>
-              </a:rPr>
-              <a:t>String</a:t>
-            </a:r>
-            <a:r>
-              <a:rPr lang="en-CA" b="0" dirty="0">
-                <a:solidFill>
-                  <a:srgbClr val="D4D4D4"/>
-                </a:solidFill>
-                <a:effectLst/>
-                <a:latin typeface="Consolas" panose="020B0609020204030204" pitchFamily="49" charset="0"/>
-              </a:rPr>
-              <a:t>::</a:t>
-            </a:r>
-            <a:r>
-              <a:rPr lang="en-CA" b="0" dirty="0">
-                <a:solidFill>
-                  <a:srgbClr val="DCDCAA"/>
-                </a:solidFill>
-                <a:effectLst/>
-                <a:latin typeface="Consolas" panose="020B0609020204030204" pitchFamily="49" charset="0"/>
-              </a:rPr>
-              <a:t>from</a:t>
-            </a:r>
-            <a:r>
-              <a:rPr lang="en-CA" b="0" dirty="0">
-                <a:solidFill>
-                  <a:srgbClr val="D4D4D4"/>
-                </a:solidFill>
-                <a:effectLst/>
-                <a:latin typeface="Consolas" panose="020B0609020204030204" pitchFamily="49" charset="0"/>
-              </a:rPr>
-              <a:t>(</a:t>
-            </a:r>
-            <a:r>
-              <a:rPr lang="en-CA" b="0" dirty="0">
-                <a:solidFill>
-                  <a:srgbClr val="CE9178"/>
-                </a:solidFill>
-                <a:effectLst/>
-                <a:latin typeface="Consolas" panose="020B0609020204030204" pitchFamily="49" charset="0"/>
-              </a:rPr>
-              <a:t>"error!"</a:t>
-            </a:r>
-            <a:r>
-              <a:rPr lang="en-CA" b="0" dirty="0">
-                <a:solidFill>
-                  <a:srgbClr val="D4D4D4"/>
-                </a:solidFill>
-                <a:effectLst/>
-                <a:latin typeface="Consolas" panose="020B0609020204030204" pitchFamily="49" charset="0"/>
-              </a:rPr>
-              <a:t>));</a:t>
-            </a:r>
-            <a:r>
-              <a:rPr lang="en-CA" b="0" dirty="0">
-                <a:solidFill>
-                  <a:srgbClr val="6A9955"/>
-                </a:solidFill>
-                <a:effectLst/>
-                <a:latin typeface="Consolas" panose="020B0609020204030204" pitchFamily="49" charset="0"/>
-              </a:rPr>
-              <a:t> //var2 contains an error</a:t>
-            </a:r>
-            <a:endParaRPr lang="en-CA" dirty="0">
-              <a:solidFill>
-                <a:srgbClr val="D4D4D4"/>
-              </a:solidFill>
-              <a:latin typeface="Consolas" panose="020B0609020204030204" pitchFamily="49" charset="0"/>
-            </a:endParaRPr>
-          </a:p>
-          <a:p>
-            <a:r>
-              <a:rPr lang="en-CA" b="0" dirty="0">
-                <a:solidFill>
-                  <a:srgbClr val="C586C0"/>
-                </a:solidFill>
-                <a:effectLst/>
-                <a:latin typeface="Consolas" panose="020B0609020204030204" pitchFamily="49" charset="0"/>
-              </a:rPr>
-              <a:t>if</a:t>
-            </a:r>
-            <a:r>
-              <a:rPr lang="en-CA" b="0" dirty="0">
-                <a:solidFill>
-                  <a:srgbClr val="D4D4D4"/>
-                </a:solidFill>
-                <a:effectLst/>
-                <a:latin typeface="Consolas" panose="020B0609020204030204" pitchFamily="49" charset="0"/>
-              </a:rPr>
-              <a:t> </a:t>
-            </a:r>
-            <a:r>
-              <a:rPr lang="en-CA" b="0" dirty="0">
-                <a:solidFill>
-                  <a:srgbClr val="569CD6"/>
-                </a:solidFill>
-                <a:effectLst/>
-                <a:latin typeface="Consolas" panose="020B0609020204030204" pitchFamily="49" charset="0"/>
-              </a:rPr>
-              <a:t>let</a:t>
-            </a:r>
-            <a:r>
-              <a:rPr lang="en-CA" b="0" dirty="0">
-                <a:solidFill>
-                  <a:srgbClr val="D4D4D4"/>
-                </a:solidFill>
-                <a:effectLst/>
-                <a:latin typeface="Consolas" panose="020B0609020204030204" pitchFamily="49" charset="0"/>
-              </a:rPr>
-              <a:t> </a:t>
-            </a:r>
-            <a:r>
-              <a:rPr lang="en-CA" b="0" dirty="0">
-                <a:solidFill>
-                  <a:srgbClr val="4EC9B0"/>
-                </a:solidFill>
-                <a:effectLst/>
-                <a:latin typeface="Consolas" panose="020B0609020204030204" pitchFamily="49" charset="0"/>
-              </a:rPr>
-              <a:t>Ok</a:t>
-            </a:r>
-            <a:r>
-              <a:rPr lang="en-CA" b="0" dirty="0">
-                <a:solidFill>
-                  <a:srgbClr val="D4D4D4"/>
-                </a:solidFill>
-                <a:effectLst/>
-                <a:latin typeface="Consolas" panose="020B0609020204030204" pitchFamily="49" charset="0"/>
-              </a:rPr>
-              <a:t>(</a:t>
-            </a:r>
-            <a:r>
-              <a:rPr lang="en-CA" b="0" dirty="0">
-                <a:solidFill>
-                  <a:srgbClr val="9CDCFE"/>
-                </a:solidFill>
-                <a:effectLst/>
-                <a:latin typeface="Consolas" panose="020B0609020204030204" pitchFamily="49" charset="0"/>
-              </a:rPr>
-              <a:t>value</a:t>
-            </a:r>
-            <a:r>
-              <a:rPr lang="en-CA" b="0" dirty="0">
-                <a:solidFill>
-                  <a:srgbClr val="D4D4D4"/>
-                </a:solidFill>
-                <a:effectLst/>
-                <a:latin typeface="Consolas" panose="020B0609020204030204" pitchFamily="49" charset="0"/>
-              </a:rPr>
-              <a:t>) = </a:t>
-            </a:r>
-            <a:r>
-              <a:rPr lang="en-CA" b="0" dirty="0">
-                <a:solidFill>
-                  <a:srgbClr val="9CDCFE"/>
-                </a:solidFill>
-                <a:effectLst/>
-                <a:latin typeface="Consolas" panose="020B0609020204030204" pitchFamily="49" charset="0"/>
-              </a:rPr>
-              <a:t>var1</a:t>
-            </a:r>
-            <a:r>
-              <a:rPr lang="en-CA" b="0" dirty="0">
-                <a:solidFill>
-                  <a:srgbClr val="D4D4D4"/>
-                </a:solidFill>
-                <a:effectLst/>
-                <a:latin typeface="Consolas" panose="020B0609020204030204" pitchFamily="49" charset="0"/>
-              </a:rPr>
-              <a:t> {</a:t>
-            </a:r>
-            <a:br>
-              <a:rPr lang="en-CA" b="0" dirty="0">
-                <a:solidFill>
-                  <a:srgbClr val="D4D4D4"/>
-                </a:solidFill>
-                <a:effectLst/>
-                <a:latin typeface="Consolas" panose="020B0609020204030204" pitchFamily="49" charset="0"/>
-              </a:rPr>
-            </a:br>
-            <a:r>
-              <a:rPr lang="en-CA" b="0" dirty="0">
-                <a:solidFill>
-                  <a:srgbClr val="D4D4D4"/>
-                </a:solidFill>
-                <a:effectLst/>
-                <a:latin typeface="Consolas" panose="020B0609020204030204" pitchFamily="49" charset="0"/>
-              </a:rPr>
-              <a:t>    </a:t>
-            </a:r>
-            <a:r>
-              <a:rPr lang="en-CA" b="0" dirty="0">
-                <a:solidFill>
-                  <a:srgbClr val="DCDCAA"/>
-                </a:solidFill>
-                <a:effectLst/>
-                <a:latin typeface="Consolas" panose="020B0609020204030204" pitchFamily="49" charset="0"/>
-              </a:rPr>
-              <a:t>println!</a:t>
-            </a:r>
-            <a:r>
-              <a:rPr lang="en-CA" b="0" dirty="0">
-                <a:solidFill>
-                  <a:srgbClr val="D4D4D4"/>
-                </a:solidFill>
-                <a:effectLst/>
-                <a:latin typeface="Consolas" panose="020B0609020204030204" pitchFamily="49" charset="0"/>
-              </a:rPr>
-              <a:t>(</a:t>
-            </a:r>
-            <a:r>
-              <a:rPr lang="en-CA" b="0" dirty="0">
-                <a:solidFill>
-                  <a:srgbClr val="CE9178"/>
-                </a:solidFill>
-                <a:effectLst/>
-                <a:latin typeface="Consolas" panose="020B0609020204030204" pitchFamily="49" charset="0"/>
-              </a:rPr>
-              <a:t>"var1 contains a value: {}"</a:t>
-            </a:r>
-            <a:r>
-              <a:rPr lang="en-CA" b="0" dirty="0">
-                <a:solidFill>
-                  <a:srgbClr val="D4D4D4"/>
-                </a:solidFill>
-                <a:effectLst/>
-                <a:latin typeface="Consolas" panose="020B0609020204030204" pitchFamily="49" charset="0"/>
-              </a:rPr>
-              <a:t>, </a:t>
-            </a:r>
-            <a:r>
-              <a:rPr lang="en-CA" b="0" dirty="0">
-                <a:solidFill>
-                  <a:srgbClr val="9CDCFE"/>
-                </a:solidFill>
-                <a:effectLst/>
-                <a:latin typeface="Consolas" panose="020B0609020204030204" pitchFamily="49" charset="0"/>
-              </a:rPr>
-              <a:t>value</a:t>
-            </a:r>
-            <a:r>
-              <a:rPr lang="en-CA" b="0" dirty="0">
-                <a:solidFill>
-                  <a:srgbClr val="D4D4D4"/>
-                </a:solidFill>
-                <a:effectLst/>
-                <a:latin typeface="Consolas" panose="020B0609020204030204" pitchFamily="49" charset="0"/>
-              </a:rPr>
-              <a:t>)</a:t>
-            </a:r>
-            <a:br>
-              <a:rPr lang="en-CA" b="0" dirty="0">
-                <a:solidFill>
-                  <a:srgbClr val="D4D4D4"/>
-                </a:solidFill>
-                <a:effectLst/>
-                <a:latin typeface="Consolas" panose="020B0609020204030204" pitchFamily="49" charset="0"/>
-              </a:rPr>
-            </a:br>
-            <a:r>
-              <a:rPr lang="en-CA" b="0" dirty="0">
-                <a:solidFill>
-                  <a:srgbClr val="D4D4D4"/>
-                </a:solidFill>
-                <a:effectLst/>
-                <a:latin typeface="Consolas" panose="020B0609020204030204" pitchFamily="49" charset="0"/>
-              </a:rPr>
-              <a:t>} </a:t>
-            </a:r>
-            <a:r>
-              <a:rPr lang="en-CA" b="0" dirty="0">
-                <a:solidFill>
-                  <a:srgbClr val="C586C0"/>
-                </a:solidFill>
-                <a:effectLst/>
-                <a:latin typeface="Consolas" panose="020B0609020204030204" pitchFamily="49" charset="0"/>
-              </a:rPr>
-              <a:t>else</a:t>
-            </a:r>
-            <a:r>
-              <a:rPr lang="en-CA" b="0" dirty="0">
-                <a:solidFill>
-                  <a:srgbClr val="D4D4D4"/>
-                </a:solidFill>
-                <a:effectLst/>
-                <a:latin typeface="Consolas" panose="020B0609020204030204" pitchFamily="49" charset="0"/>
-              </a:rPr>
-              <a:t> </a:t>
-            </a:r>
-            <a:r>
-              <a:rPr lang="en-CA" b="0" dirty="0">
-                <a:solidFill>
-                  <a:srgbClr val="C586C0"/>
-                </a:solidFill>
-                <a:effectLst/>
-                <a:latin typeface="Consolas" panose="020B0609020204030204" pitchFamily="49" charset="0"/>
-              </a:rPr>
-              <a:t>if</a:t>
-            </a:r>
-            <a:r>
-              <a:rPr lang="en-CA" b="0" dirty="0">
-                <a:solidFill>
-                  <a:srgbClr val="D4D4D4"/>
-                </a:solidFill>
-                <a:effectLst/>
-                <a:latin typeface="Consolas" panose="020B0609020204030204" pitchFamily="49" charset="0"/>
-              </a:rPr>
-              <a:t> </a:t>
-            </a:r>
-            <a:r>
-              <a:rPr lang="en-CA" b="0" dirty="0">
-                <a:solidFill>
-                  <a:srgbClr val="569CD6"/>
-                </a:solidFill>
-                <a:effectLst/>
-                <a:latin typeface="Consolas" panose="020B0609020204030204" pitchFamily="49" charset="0"/>
-              </a:rPr>
-              <a:t>let</a:t>
-            </a:r>
-            <a:r>
-              <a:rPr lang="en-CA" b="0" dirty="0">
-                <a:solidFill>
-                  <a:srgbClr val="D4D4D4"/>
-                </a:solidFill>
-                <a:effectLst/>
-                <a:latin typeface="Consolas" panose="020B0609020204030204" pitchFamily="49" charset="0"/>
-              </a:rPr>
-              <a:t> </a:t>
-            </a:r>
-            <a:r>
-              <a:rPr lang="en-CA" b="0" dirty="0">
-                <a:solidFill>
-                  <a:srgbClr val="4EC9B0"/>
-                </a:solidFill>
-                <a:effectLst/>
-                <a:latin typeface="Consolas" panose="020B0609020204030204" pitchFamily="49" charset="0"/>
-              </a:rPr>
-              <a:t>Err</a:t>
-            </a:r>
-            <a:r>
-              <a:rPr lang="en-CA" b="0" dirty="0">
-                <a:solidFill>
-                  <a:srgbClr val="D4D4D4"/>
-                </a:solidFill>
-                <a:effectLst/>
-                <a:latin typeface="Consolas" panose="020B0609020204030204" pitchFamily="49" charset="0"/>
-              </a:rPr>
-              <a:t>(</a:t>
-            </a:r>
-            <a:r>
-              <a:rPr lang="en-CA" b="0" dirty="0">
-                <a:solidFill>
-                  <a:srgbClr val="9CDCFE"/>
-                </a:solidFill>
-                <a:effectLst/>
-                <a:latin typeface="Consolas" panose="020B0609020204030204" pitchFamily="49" charset="0"/>
-              </a:rPr>
-              <a:t>error</a:t>
-            </a:r>
-            <a:r>
-              <a:rPr lang="en-CA" b="0" dirty="0">
-                <a:solidFill>
-                  <a:srgbClr val="D4D4D4"/>
-                </a:solidFill>
-                <a:effectLst/>
-                <a:latin typeface="Consolas" panose="020B0609020204030204" pitchFamily="49" charset="0"/>
-              </a:rPr>
-              <a:t>) = </a:t>
-            </a:r>
-            <a:r>
-              <a:rPr lang="en-CA" b="0" dirty="0">
-                <a:solidFill>
-                  <a:srgbClr val="9CDCFE"/>
-                </a:solidFill>
-                <a:effectLst/>
-                <a:latin typeface="Consolas" panose="020B0609020204030204" pitchFamily="49" charset="0"/>
-              </a:rPr>
-              <a:t>var1</a:t>
-            </a:r>
-            <a:r>
-              <a:rPr lang="en-CA" b="0" dirty="0">
-                <a:solidFill>
-                  <a:srgbClr val="D4D4D4"/>
-                </a:solidFill>
-                <a:effectLst/>
-                <a:latin typeface="Consolas" panose="020B0609020204030204" pitchFamily="49" charset="0"/>
-              </a:rPr>
-              <a:t> {</a:t>
-            </a:r>
-            <a:br>
-              <a:rPr lang="en-CA" b="0" dirty="0">
-                <a:solidFill>
-                  <a:srgbClr val="D4D4D4"/>
-                </a:solidFill>
-                <a:effectLst/>
-                <a:latin typeface="Consolas" panose="020B0609020204030204" pitchFamily="49" charset="0"/>
-              </a:rPr>
-            </a:br>
-            <a:r>
-              <a:rPr lang="en-CA" b="0" dirty="0">
-                <a:solidFill>
-                  <a:srgbClr val="D4D4D4"/>
-                </a:solidFill>
-                <a:effectLst/>
-                <a:latin typeface="Consolas" panose="020B0609020204030204" pitchFamily="49" charset="0"/>
-              </a:rPr>
-              <a:t>    </a:t>
-            </a:r>
-            <a:r>
-              <a:rPr lang="en-CA" b="0" dirty="0">
-                <a:solidFill>
-                  <a:srgbClr val="DCDCAA"/>
-                </a:solidFill>
-                <a:effectLst/>
-                <a:latin typeface="Consolas" panose="020B0609020204030204" pitchFamily="49" charset="0"/>
-              </a:rPr>
-              <a:t>println!</a:t>
-            </a:r>
-            <a:r>
-              <a:rPr lang="en-CA" b="0" dirty="0">
-                <a:solidFill>
-                  <a:srgbClr val="D4D4D4"/>
-                </a:solidFill>
-                <a:effectLst/>
-                <a:latin typeface="Consolas" panose="020B0609020204030204" pitchFamily="49" charset="0"/>
-              </a:rPr>
-              <a:t>(</a:t>
-            </a:r>
-            <a:r>
-              <a:rPr lang="en-CA" b="0" dirty="0">
-                <a:solidFill>
-                  <a:srgbClr val="CE9178"/>
-                </a:solidFill>
-                <a:effectLst/>
-                <a:latin typeface="Consolas" panose="020B0609020204030204" pitchFamily="49" charset="0"/>
-              </a:rPr>
-              <a:t>"var1 contains an error: {}"</a:t>
-            </a:r>
-            <a:r>
-              <a:rPr lang="en-CA" b="0" dirty="0">
-                <a:solidFill>
-                  <a:srgbClr val="D4D4D4"/>
-                </a:solidFill>
-                <a:effectLst/>
-                <a:latin typeface="Consolas" panose="020B0609020204030204" pitchFamily="49" charset="0"/>
-              </a:rPr>
-              <a:t>, </a:t>
-            </a:r>
-            <a:r>
-              <a:rPr lang="en-CA" b="0" dirty="0">
-                <a:solidFill>
-                  <a:srgbClr val="9CDCFE"/>
-                </a:solidFill>
-                <a:effectLst/>
-                <a:latin typeface="Consolas" panose="020B0609020204030204" pitchFamily="49" charset="0"/>
-              </a:rPr>
-              <a:t>error</a:t>
-            </a:r>
-            <a:r>
-              <a:rPr lang="en-CA" b="0" dirty="0">
-                <a:solidFill>
-                  <a:srgbClr val="D4D4D4"/>
-                </a:solidFill>
-                <a:effectLst/>
-                <a:latin typeface="Consolas" panose="020B0609020204030204" pitchFamily="49" charset="0"/>
-              </a:rPr>
-              <a:t>)</a:t>
-            </a:r>
-            <a:br>
-              <a:rPr lang="en-CA" b="0" dirty="0">
-                <a:solidFill>
-                  <a:srgbClr val="D4D4D4"/>
-                </a:solidFill>
-                <a:effectLst/>
-                <a:latin typeface="Consolas" panose="020B0609020204030204" pitchFamily="49" charset="0"/>
-              </a:rPr>
-            </a:br>
-            <a:r>
-              <a:rPr lang="en-CA" b="0" dirty="0">
-                <a:solidFill>
-                  <a:srgbClr val="D4D4D4"/>
-                </a:solidFill>
-                <a:effectLst/>
-                <a:latin typeface="Consolas" panose="020B0609020204030204" pitchFamily="49" charset="0"/>
-              </a:rPr>
-              <a:t>}</a:t>
-            </a:r>
-          </a:p>
-          <a:p>
-            <a:endParaRPr lang="en-CA" dirty="0"/>
-          </a:p>
-        </p:txBody>
-      </p:sp>
-    </p:spTree>
-    <p:extLst>
-      <p:ext uri="{BB962C8B-B14F-4D97-AF65-F5344CB8AC3E}">
-        <p14:creationId xmlns:p14="http://schemas.microsoft.com/office/powerpoint/2010/main" val="2225710112"/>
       </p:ext>
     </p:extLst>
   </p:cSld>
@@ -14240,6 +13802,975 @@
           <p:cNvPr id="2" name="Title 1">
             <a:extLst>
               <a:ext uri="{FF2B5EF4-FFF2-40B4-BE49-F238E27FC236}">
+                <a16:creationId xmlns:a16="http://schemas.microsoft.com/office/drawing/2014/main" id="{CC27DAE4-9BE8-4345-8E32-3B64EBDD142B}"/>
+              </a:ext>
+            </a:extLst>
+          </p:cNvPr>
+          <p:cNvSpPr>
+            <a:spLocks noGrp="1"/>
+          </p:cNvSpPr>
+          <p:nvPr>
+            <p:ph type="title"/>
+          </p:nvPr>
+        </p:nvSpPr>
+        <p:spPr/>
+        <p:txBody>
+          <a:bodyPr/>
+          <a:lstStyle/>
+          <a:p>
+            <a:r>
+              <a:rPr lang="en-CA" dirty="0"/>
+              <a:t>Result</a:t>
+            </a:r>
+          </a:p>
+        </p:txBody>
+      </p:sp>
+      <p:sp>
+        <p:nvSpPr>
+          <p:cNvPr id="3" name="Content Placeholder 2">
+            <a:extLst>
+              <a:ext uri="{FF2B5EF4-FFF2-40B4-BE49-F238E27FC236}">
+                <a16:creationId xmlns:a16="http://schemas.microsoft.com/office/drawing/2014/main" id="{44B1565C-A8C1-4D16-9061-0D6DC37B144C}"/>
+              </a:ext>
+            </a:extLst>
+          </p:cNvPr>
+          <p:cNvSpPr>
+            <a:spLocks noGrp="1"/>
+          </p:cNvSpPr>
+          <p:nvPr>
+            <p:ph idx="1"/>
+          </p:nvPr>
+        </p:nvSpPr>
+        <p:spPr>
+          <a:xfrm>
+            <a:off x="1104293" y="1725747"/>
+            <a:ext cx="10338290" cy="4195481"/>
+          </a:xfrm>
+        </p:spPr>
+        <p:txBody>
+          <a:bodyPr>
+            <a:normAutofit/>
+          </a:bodyPr>
+          <a:lstStyle/>
+          <a:p>
+            <a:r>
+              <a:rPr lang="en-CA" b="0" dirty="0">
+                <a:solidFill>
+                  <a:srgbClr val="6A9955"/>
+                </a:solidFill>
+                <a:effectLst/>
+                <a:latin typeface="Consolas" panose="020B0609020204030204" pitchFamily="49" charset="0"/>
+              </a:rPr>
+              <a:t>// this is how Result looks, you can't write that</a:t>
+            </a:r>
+            <a:br>
+              <a:rPr lang="en-CA" b="0" dirty="0">
+                <a:solidFill>
+                  <a:srgbClr val="6A9955"/>
+                </a:solidFill>
+                <a:effectLst/>
+                <a:latin typeface="Consolas" panose="020B0609020204030204" pitchFamily="49" charset="0"/>
+              </a:rPr>
+            </a:br>
+            <a:r>
+              <a:rPr lang="en-CA" b="0" dirty="0" err="1">
+                <a:solidFill>
+                  <a:srgbClr val="569CD6"/>
+                </a:solidFill>
+                <a:effectLst/>
+                <a:latin typeface="Consolas" panose="020B0609020204030204" pitchFamily="49" charset="0"/>
+              </a:rPr>
+              <a:t>enum</a:t>
+            </a:r>
+            <a:r>
+              <a:rPr lang="en-CA" b="0" dirty="0">
+                <a:solidFill>
+                  <a:srgbClr val="D4D4D4"/>
+                </a:solidFill>
+                <a:effectLst/>
+                <a:latin typeface="Consolas" panose="020B0609020204030204" pitchFamily="49" charset="0"/>
+              </a:rPr>
+              <a:t> </a:t>
+            </a:r>
+            <a:r>
+              <a:rPr lang="en-CA" b="0" dirty="0">
+                <a:solidFill>
+                  <a:srgbClr val="4EC9B0"/>
+                </a:solidFill>
+                <a:effectLst/>
+                <a:latin typeface="Consolas" panose="020B0609020204030204" pitchFamily="49" charset="0"/>
+              </a:rPr>
+              <a:t>Result</a:t>
+            </a:r>
+            <a:r>
+              <a:rPr lang="en-CA" b="0" dirty="0">
+                <a:solidFill>
+                  <a:srgbClr val="D4D4D4"/>
+                </a:solidFill>
+                <a:effectLst/>
+                <a:latin typeface="Consolas" panose="020B0609020204030204" pitchFamily="49" charset="0"/>
+              </a:rPr>
+              <a:t> {</a:t>
+            </a:r>
+            <a:br>
+              <a:rPr lang="en-CA" b="0" dirty="0">
+                <a:solidFill>
+                  <a:srgbClr val="D4D4D4"/>
+                </a:solidFill>
+                <a:effectLst/>
+                <a:latin typeface="Consolas" panose="020B0609020204030204" pitchFamily="49" charset="0"/>
+              </a:rPr>
+            </a:br>
+            <a:r>
+              <a:rPr lang="en-CA" b="0" dirty="0">
+                <a:solidFill>
+                  <a:srgbClr val="D4D4D4"/>
+                </a:solidFill>
+                <a:effectLst/>
+                <a:latin typeface="Consolas" panose="020B0609020204030204" pitchFamily="49" charset="0"/>
+              </a:rPr>
+              <a:t>    </a:t>
+            </a:r>
+            <a:r>
+              <a:rPr lang="en-CA" b="0" dirty="0">
+                <a:solidFill>
+                  <a:srgbClr val="4EC9B0"/>
+                </a:solidFill>
+                <a:effectLst/>
+                <a:latin typeface="Consolas" panose="020B0609020204030204" pitchFamily="49" charset="0"/>
+              </a:rPr>
+              <a:t>Ok</a:t>
+            </a:r>
+            <a:r>
+              <a:rPr lang="en-CA" b="0" dirty="0">
+                <a:solidFill>
+                  <a:srgbClr val="D4D4D4"/>
+                </a:solidFill>
+                <a:effectLst/>
+                <a:latin typeface="Consolas" panose="020B0609020204030204" pitchFamily="49" charset="0"/>
+              </a:rPr>
+              <a:t>(</a:t>
+            </a:r>
+            <a:r>
+              <a:rPr lang="en-CA" b="0" dirty="0">
+                <a:solidFill>
+                  <a:srgbClr val="4EC9B0"/>
+                </a:solidFill>
+                <a:effectLst/>
+                <a:latin typeface="Consolas" panose="020B0609020204030204" pitchFamily="49" charset="0"/>
+              </a:rPr>
+              <a:t>T</a:t>
+            </a:r>
+            <a:r>
+              <a:rPr lang="en-CA" b="0" dirty="0">
+                <a:solidFill>
+                  <a:srgbClr val="D4D4D4"/>
+                </a:solidFill>
+                <a:effectLst/>
+                <a:latin typeface="Consolas" panose="020B0609020204030204" pitchFamily="49" charset="0"/>
+              </a:rPr>
+              <a:t>),</a:t>
+            </a:r>
+            <a:br>
+              <a:rPr lang="en-CA" b="0" dirty="0">
+                <a:solidFill>
+                  <a:srgbClr val="D4D4D4"/>
+                </a:solidFill>
+                <a:effectLst/>
+                <a:latin typeface="Consolas" panose="020B0609020204030204" pitchFamily="49" charset="0"/>
+              </a:rPr>
+            </a:br>
+            <a:r>
+              <a:rPr lang="en-CA" b="0" dirty="0">
+                <a:solidFill>
+                  <a:srgbClr val="D4D4D4"/>
+                </a:solidFill>
+                <a:effectLst/>
+                <a:latin typeface="Consolas" panose="020B0609020204030204" pitchFamily="49" charset="0"/>
+              </a:rPr>
+              <a:t>    </a:t>
+            </a:r>
+            <a:r>
+              <a:rPr lang="en-CA" b="0" dirty="0">
+                <a:solidFill>
+                  <a:srgbClr val="4EC9B0"/>
+                </a:solidFill>
+                <a:effectLst/>
+                <a:latin typeface="Consolas" panose="020B0609020204030204" pitchFamily="49" charset="0"/>
+              </a:rPr>
+              <a:t>Err</a:t>
+            </a:r>
+            <a:r>
+              <a:rPr lang="en-CA" b="0" dirty="0">
+                <a:solidFill>
+                  <a:srgbClr val="D4D4D4"/>
+                </a:solidFill>
+                <a:effectLst/>
+                <a:latin typeface="Consolas" panose="020B0609020204030204" pitchFamily="49" charset="0"/>
+              </a:rPr>
+              <a:t>(</a:t>
+            </a:r>
+            <a:r>
+              <a:rPr lang="en-CA" b="0" dirty="0">
+                <a:solidFill>
+                  <a:srgbClr val="4EC9B0"/>
+                </a:solidFill>
+                <a:effectLst/>
+                <a:latin typeface="Consolas" panose="020B0609020204030204" pitchFamily="49" charset="0"/>
+              </a:rPr>
+              <a:t>E</a:t>
+            </a:r>
+            <a:r>
+              <a:rPr lang="en-CA" b="0" dirty="0">
+                <a:solidFill>
+                  <a:srgbClr val="D4D4D4"/>
+                </a:solidFill>
+                <a:effectLst/>
+                <a:latin typeface="Consolas" panose="020B0609020204030204" pitchFamily="49" charset="0"/>
+              </a:rPr>
+              <a:t>),</a:t>
+            </a:r>
+            <a:br>
+              <a:rPr lang="en-CA" b="0" dirty="0">
+                <a:solidFill>
+                  <a:srgbClr val="D4D4D4"/>
+                </a:solidFill>
+                <a:effectLst/>
+                <a:latin typeface="Consolas" panose="020B0609020204030204" pitchFamily="49" charset="0"/>
+              </a:rPr>
+            </a:br>
+            <a:r>
+              <a:rPr lang="en-CA" b="0" dirty="0">
+                <a:solidFill>
+                  <a:srgbClr val="D4D4D4"/>
+                </a:solidFill>
+                <a:effectLst/>
+                <a:latin typeface="Consolas" panose="020B0609020204030204" pitchFamily="49" charset="0"/>
+              </a:rPr>
+              <a:t>}</a:t>
+            </a:r>
+            <a:br>
+              <a:rPr lang="en-CA" b="0" dirty="0">
+                <a:solidFill>
+                  <a:srgbClr val="D4D4D4"/>
+                </a:solidFill>
+                <a:effectLst/>
+                <a:latin typeface="Consolas" panose="020B0609020204030204" pitchFamily="49" charset="0"/>
+              </a:rPr>
+            </a:br>
+            <a:r>
+              <a:rPr lang="en-CA" b="0" dirty="0">
+                <a:solidFill>
+                  <a:srgbClr val="6A9955"/>
+                </a:solidFill>
+                <a:effectLst/>
+                <a:latin typeface="Consolas" panose="020B0609020204030204" pitchFamily="49" charset="0"/>
+              </a:rPr>
+              <a:t>// Some and None are imported by default in Rust</a:t>
+            </a:r>
+            <a:br>
+              <a:rPr lang="en-CA" b="0" dirty="0">
+                <a:solidFill>
+                  <a:srgbClr val="6A9955"/>
+                </a:solidFill>
+                <a:effectLst/>
+                <a:latin typeface="Consolas" panose="020B0609020204030204" pitchFamily="49" charset="0"/>
+              </a:rPr>
+            </a:br>
+            <a:r>
+              <a:rPr lang="en-CA" b="0" dirty="0">
+                <a:solidFill>
+                  <a:srgbClr val="569CD6"/>
+                </a:solidFill>
+                <a:effectLst/>
+                <a:latin typeface="Consolas" panose="020B0609020204030204" pitchFamily="49" charset="0"/>
+              </a:rPr>
+              <a:t>let</a:t>
+            </a:r>
+            <a:r>
+              <a:rPr lang="en-CA" b="0" dirty="0">
+                <a:solidFill>
+                  <a:srgbClr val="D4D4D4"/>
+                </a:solidFill>
+                <a:effectLst/>
+                <a:latin typeface="Consolas" panose="020B0609020204030204" pitchFamily="49" charset="0"/>
+              </a:rPr>
+              <a:t> </a:t>
+            </a:r>
+            <a:r>
+              <a:rPr lang="en-CA" b="0" dirty="0">
+                <a:solidFill>
+                  <a:srgbClr val="9CDCFE"/>
+                </a:solidFill>
+                <a:effectLst/>
+                <a:latin typeface="Consolas" panose="020B0609020204030204" pitchFamily="49" charset="0"/>
+              </a:rPr>
+              <a:t>var1</a:t>
+            </a:r>
+            <a:r>
+              <a:rPr lang="en-CA" b="0" dirty="0">
+                <a:solidFill>
+                  <a:srgbClr val="D4D4D4"/>
+                </a:solidFill>
+                <a:effectLst/>
+                <a:latin typeface="Consolas" panose="020B0609020204030204" pitchFamily="49" charset="0"/>
+              </a:rPr>
+              <a:t> = </a:t>
+            </a:r>
+            <a:r>
+              <a:rPr lang="en-CA" b="0" dirty="0">
+                <a:solidFill>
+                  <a:srgbClr val="4EC9B0"/>
+                </a:solidFill>
+                <a:effectLst/>
+                <a:latin typeface="Consolas" panose="020B0609020204030204" pitchFamily="49" charset="0"/>
+              </a:rPr>
+              <a:t>Ok</a:t>
+            </a:r>
+            <a:r>
+              <a:rPr lang="en-CA" b="0" dirty="0">
+                <a:solidFill>
+                  <a:srgbClr val="D4D4D4"/>
+                </a:solidFill>
+                <a:effectLst/>
+                <a:latin typeface="Consolas" panose="020B0609020204030204" pitchFamily="49" charset="0"/>
+              </a:rPr>
+              <a:t>(</a:t>
+            </a:r>
+            <a:r>
+              <a:rPr lang="en-CA" b="0" dirty="0">
+                <a:solidFill>
+                  <a:srgbClr val="569CD6"/>
+                </a:solidFill>
+                <a:effectLst/>
+                <a:latin typeface="Consolas" panose="020B0609020204030204" pitchFamily="49" charset="0"/>
+              </a:rPr>
+              <a:t>true</a:t>
+            </a:r>
+            <a:r>
+              <a:rPr lang="en-CA" b="0" dirty="0">
+                <a:solidFill>
+                  <a:srgbClr val="D4D4D4"/>
+                </a:solidFill>
+                <a:effectLst/>
+                <a:latin typeface="Consolas" panose="020B0609020204030204" pitchFamily="49" charset="0"/>
+              </a:rPr>
+              <a:t>);</a:t>
+            </a:r>
+            <a:r>
+              <a:rPr lang="en-CA" b="0" dirty="0">
+                <a:solidFill>
+                  <a:srgbClr val="6A9955"/>
+                </a:solidFill>
+                <a:effectLst/>
+                <a:latin typeface="Consolas" panose="020B0609020204030204" pitchFamily="49" charset="0"/>
+              </a:rPr>
+              <a:t> //var1 contains a value</a:t>
+            </a:r>
+            <a:br>
+              <a:rPr lang="en-CA" b="0" dirty="0">
+                <a:solidFill>
+                  <a:srgbClr val="6A9955"/>
+                </a:solidFill>
+                <a:effectLst/>
+                <a:latin typeface="Consolas" panose="020B0609020204030204" pitchFamily="49" charset="0"/>
+              </a:rPr>
+            </a:br>
+            <a:r>
+              <a:rPr lang="en-CA" b="0" dirty="0">
+                <a:solidFill>
+                  <a:srgbClr val="569CD6"/>
+                </a:solidFill>
+                <a:effectLst/>
+                <a:latin typeface="Consolas" panose="020B0609020204030204" pitchFamily="49" charset="0"/>
+              </a:rPr>
+              <a:t>let</a:t>
+            </a:r>
+            <a:r>
+              <a:rPr lang="en-CA" b="0" dirty="0">
+                <a:solidFill>
+                  <a:srgbClr val="D4D4D4"/>
+                </a:solidFill>
+                <a:effectLst/>
+                <a:latin typeface="Consolas" panose="020B0609020204030204" pitchFamily="49" charset="0"/>
+              </a:rPr>
+              <a:t> </a:t>
+            </a:r>
+            <a:r>
+              <a:rPr lang="en-CA" b="0" dirty="0">
+                <a:solidFill>
+                  <a:srgbClr val="9CDCFE"/>
+                </a:solidFill>
+                <a:effectLst/>
+                <a:latin typeface="Consolas" panose="020B0609020204030204" pitchFamily="49" charset="0"/>
+              </a:rPr>
+              <a:t>var2</a:t>
+            </a:r>
+            <a:r>
+              <a:rPr lang="en-CA" b="0" dirty="0">
+                <a:solidFill>
+                  <a:srgbClr val="D4D4D4"/>
+                </a:solidFill>
+                <a:effectLst/>
+                <a:latin typeface="Consolas" panose="020B0609020204030204" pitchFamily="49" charset="0"/>
+              </a:rPr>
+              <a:t> = </a:t>
+            </a:r>
+            <a:r>
+              <a:rPr lang="en-CA" b="0" dirty="0">
+                <a:solidFill>
+                  <a:srgbClr val="4EC9B0"/>
+                </a:solidFill>
+                <a:effectLst/>
+                <a:latin typeface="Consolas" panose="020B0609020204030204" pitchFamily="49" charset="0"/>
+              </a:rPr>
+              <a:t>Err</a:t>
+            </a:r>
+            <a:r>
+              <a:rPr lang="en-CA" b="0" dirty="0">
+                <a:solidFill>
+                  <a:srgbClr val="D4D4D4"/>
+                </a:solidFill>
+                <a:effectLst/>
+                <a:latin typeface="Consolas" panose="020B0609020204030204" pitchFamily="49" charset="0"/>
+              </a:rPr>
+              <a:t>(</a:t>
+            </a:r>
+            <a:r>
+              <a:rPr lang="en-CA" b="0" dirty="0">
+                <a:solidFill>
+                  <a:srgbClr val="4EC9B0"/>
+                </a:solidFill>
+                <a:effectLst/>
+                <a:latin typeface="Consolas" panose="020B0609020204030204" pitchFamily="49" charset="0"/>
+              </a:rPr>
+              <a:t>String</a:t>
+            </a:r>
+            <a:r>
+              <a:rPr lang="en-CA" b="0" dirty="0">
+                <a:solidFill>
+                  <a:srgbClr val="D4D4D4"/>
+                </a:solidFill>
+                <a:effectLst/>
+                <a:latin typeface="Consolas" panose="020B0609020204030204" pitchFamily="49" charset="0"/>
+              </a:rPr>
+              <a:t>::</a:t>
+            </a:r>
+            <a:r>
+              <a:rPr lang="en-CA" b="0" dirty="0">
+                <a:solidFill>
+                  <a:srgbClr val="DCDCAA"/>
+                </a:solidFill>
+                <a:effectLst/>
+                <a:latin typeface="Consolas" panose="020B0609020204030204" pitchFamily="49" charset="0"/>
+              </a:rPr>
+              <a:t>from</a:t>
+            </a:r>
+            <a:r>
+              <a:rPr lang="en-CA" b="0" dirty="0">
+                <a:solidFill>
+                  <a:srgbClr val="D4D4D4"/>
+                </a:solidFill>
+                <a:effectLst/>
+                <a:latin typeface="Consolas" panose="020B0609020204030204" pitchFamily="49" charset="0"/>
+              </a:rPr>
+              <a:t>(</a:t>
+            </a:r>
+            <a:r>
+              <a:rPr lang="en-CA" b="0" dirty="0">
+                <a:solidFill>
+                  <a:srgbClr val="CE9178"/>
+                </a:solidFill>
+                <a:effectLst/>
+                <a:latin typeface="Consolas" panose="020B0609020204030204" pitchFamily="49" charset="0"/>
+              </a:rPr>
+              <a:t>"error!"</a:t>
+            </a:r>
+            <a:r>
+              <a:rPr lang="en-CA" b="0" dirty="0">
+                <a:solidFill>
+                  <a:srgbClr val="D4D4D4"/>
+                </a:solidFill>
+                <a:effectLst/>
+                <a:latin typeface="Consolas" panose="020B0609020204030204" pitchFamily="49" charset="0"/>
+              </a:rPr>
+              <a:t>));</a:t>
+            </a:r>
+            <a:r>
+              <a:rPr lang="en-CA" b="0" dirty="0">
+                <a:solidFill>
+                  <a:srgbClr val="6A9955"/>
+                </a:solidFill>
+                <a:effectLst/>
+                <a:latin typeface="Consolas" panose="020B0609020204030204" pitchFamily="49" charset="0"/>
+              </a:rPr>
+              <a:t> //var2 contains an error</a:t>
+            </a:r>
+            <a:endParaRPr lang="en-CA" dirty="0">
+              <a:solidFill>
+                <a:srgbClr val="D4D4D4"/>
+              </a:solidFill>
+              <a:latin typeface="Consolas" panose="020B0609020204030204" pitchFamily="49" charset="0"/>
+            </a:endParaRPr>
+          </a:p>
+          <a:p>
+            <a:r>
+              <a:rPr lang="en-CA" b="0" dirty="0">
+                <a:solidFill>
+                  <a:srgbClr val="C586C0"/>
+                </a:solidFill>
+                <a:effectLst/>
+                <a:latin typeface="Consolas" panose="020B0609020204030204" pitchFamily="49" charset="0"/>
+              </a:rPr>
+              <a:t>if</a:t>
+            </a:r>
+            <a:r>
+              <a:rPr lang="en-CA" b="0" dirty="0">
+                <a:solidFill>
+                  <a:srgbClr val="D4D4D4"/>
+                </a:solidFill>
+                <a:effectLst/>
+                <a:latin typeface="Consolas" panose="020B0609020204030204" pitchFamily="49" charset="0"/>
+              </a:rPr>
+              <a:t> </a:t>
+            </a:r>
+            <a:r>
+              <a:rPr lang="en-CA" b="0" dirty="0">
+                <a:solidFill>
+                  <a:srgbClr val="569CD6"/>
+                </a:solidFill>
+                <a:effectLst/>
+                <a:latin typeface="Consolas" panose="020B0609020204030204" pitchFamily="49" charset="0"/>
+              </a:rPr>
+              <a:t>let</a:t>
+            </a:r>
+            <a:r>
+              <a:rPr lang="en-CA" b="0" dirty="0">
+                <a:solidFill>
+                  <a:srgbClr val="D4D4D4"/>
+                </a:solidFill>
+                <a:effectLst/>
+                <a:latin typeface="Consolas" panose="020B0609020204030204" pitchFamily="49" charset="0"/>
+              </a:rPr>
+              <a:t> </a:t>
+            </a:r>
+            <a:r>
+              <a:rPr lang="en-CA" b="0" dirty="0">
+                <a:solidFill>
+                  <a:srgbClr val="4EC9B0"/>
+                </a:solidFill>
+                <a:effectLst/>
+                <a:latin typeface="Consolas" panose="020B0609020204030204" pitchFamily="49" charset="0"/>
+              </a:rPr>
+              <a:t>Ok</a:t>
+            </a:r>
+            <a:r>
+              <a:rPr lang="en-CA" b="0" dirty="0">
+                <a:solidFill>
+                  <a:srgbClr val="D4D4D4"/>
+                </a:solidFill>
+                <a:effectLst/>
+                <a:latin typeface="Consolas" panose="020B0609020204030204" pitchFamily="49" charset="0"/>
+              </a:rPr>
+              <a:t>(</a:t>
+            </a:r>
+            <a:r>
+              <a:rPr lang="en-CA" b="0" dirty="0">
+                <a:solidFill>
+                  <a:srgbClr val="9CDCFE"/>
+                </a:solidFill>
+                <a:effectLst/>
+                <a:latin typeface="Consolas" panose="020B0609020204030204" pitchFamily="49" charset="0"/>
+              </a:rPr>
+              <a:t>value</a:t>
+            </a:r>
+            <a:r>
+              <a:rPr lang="en-CA" b="0" dirty="0">
+                <a:solidFill>
+                  <a:srgbClr val="D4D4D4"/>
+                </a:solidFill>
+                <a:effectLst/>
+                <a:latin typeface="Consolas" panose="020B0609020204030204" pitchFamily="49" charset="0"/>
+              </a:rPr>
+              <a:t>) = </a:t>
+            </a:r>
+            <a:r>
+              <a:rPr lang="en-CA" b="0" dirty="0">
+                <a:solidFill>
+                  <a:srgbClr val="9CDCFE"/>
+                </a:solidFill>
+                <a:effectLst/>
+                <a:latin typeface="Consolas" panose="020B0609020204030204" pitchFamily="49" charset="0"/>
+              </a:rPr>
+              <a:t>var1</a:t>
+            </a:r>
+            <a:r>
+              <a:rPr lang="en-CA" b="0" dirty="0">
+                <a:solidFill>
+                  <a:srgbClr val="D4D4D4"/>
+                </a:solidFill>
+                <a:effectLst/>
+                <a:latin typeface="Consolas" panose="020B0609020204030204" pitchFamily="49" charset="0"/>
+              </a:rPr>
+              <a:t> {</a:t>
+            </a:r>
+            <a:br>
+              <a:rPr lang="en-CA" b="0" dirty="0">
+                <a:solidFill>
+                  <a:srgbClr val="D4D4D4"/>
+                </a:solidFill>
+                <a:effectLst/>
+                <a:latin typeface="Consolas" panose="020B0609020204030204" pitchFamily="49" charset="0"/>
+              </a:rPr>
+            </a:br>
+            <a:r>
+              <a:rPr lang="en-CA" b="0" dirty="0">
+                <a:solidFill>
+                  <a:srgbClr val="D4D4D4"/>
+                </a:solidFill>
+                <a:effectLst/>
+                <a:latin typeface="Consolas" panose="020B0609020204030204" pitchFamily="49" charset="0"/>
+              </a:rPr>
+              <a:t>    </a:t>
+            </a:r>
+            <a:r>
+              <a:rPr lang="en-CA" b="0" dirty="0">
+                <a:solidFill>
+                  <a:srgbClr val="DCDCAA"/>
+                </a:solidFill>
+                <a:effectLst/>
+                <a:latin typeface="Consolas" panose="020B0609020204030204" pitchFamily="49" charset="0"/>
+              </a:rPr>
+              <a:t>println!</a:t>
+            </a:r>
+            <a:r>
+              <a:rPr lang="en-CA" b="0" dirty="0">
+                <a:solidFill>
+                  <a:srgbClr val="D4D4D4"/>
+                </a:solidFill>
+                <a:effectLst/>
+                <a:latin typeface="Consolas" panose="020B0609020204030204" pitchFamily="49" charset="0"/>
+              </a:rPr>
+              <a:t>(</a:t>
+            </a:r>
+            <a:r>
+              <a:rPr lang="en-CA" b="0" dirty="0">
+                <a:solidFill>
+                  <a:srgbClr val="CE9178"/>
+                </a:solidFill>
+                <a:effectLst/>
+                <a:latin typeface="Consolas" panose="020B0609020204030204" pitchFamily="49" charset="0"/>
+              </a:rPr>
+              <a:t>"var1 contains a value: {}"</a:t>
+            </a:r>
+            <a:r>
+              <a:rPr lang="en-CA" b="0" dirty="0">
+                <a:solidFill>
+                  <a:srgbClr val="D4D4D4"/>
+                </a:solidFill>
+                <a:effectLst/>
+                <a:latin typeface="Consolas" panose="020B0609020204030204" pitchFamily="49" charset="0"/>
+              </a:rPr>
+              <a:t>, </a:t>
+            </a:r>
+            <a:r>
+              <a:rPr lang="en-CA" b="0" dirty="0">
+                <a:solidFill>
+                  <a:srgbClr val="9CDCFE"/>
+                </a:solidFill>
+                <a:effectLst/>
+                <a:latin typeface="Consolas" panose="020B0609020204030204" pitchFamily="49" charset="0"/>
+              </a:rPr>
+              <a:t>value</a:t>
+            </a:r>
+            <a:r>
+              <a:rPr lang="en-CA" b="0" dirty="0">
+                <a:solidFill>
+                  <a:srgbClr val="D4D4D4"/>
+                </a:solidFill>
+                <a:effectLst/>
+                <a:latin typeface="Consolas" panose="020B0609020204030204" pitchFamily="49" charset="0"/>
+              </a:rPr>
+              <a:t>)</a:t>
+            </a:r>
+            <a:br>
+              <a:rPr lang="en-CA" b="0" dirty="0">
+                <a:solidFill>
+                  <a:srgbClr val="D4D4D4"/>
+                </a:solidFill>
+                <a:effectLst/>
+                <a:latin typeface="Consolas" panose="020B0609020204030204" pitchFamily="49" charset="0"/>
+              </a:rPr>
+            </a:br>
+            <a:r>
+              <a:rPr lang="en-CA" b="0" dirty="0">
+                <a:solidFill>
+                  <a:srgbClr val="D4D4D4"/>
+                </a:solidFill>
+                <a:effectLst/>
+                <a:latin typeface="Consolas" panose="020B0609020204030204" pitchFamily="49" charset="0"/>
+              </a:rPr>
+              <a:t>} </a:t>
+            </a:r>
+            <a:r>
+              <a:rPr lang="en-CA" b="0" dirty="0">
+                <a:solidFill>
+                  <a:srgbClr val="C586C0"/>
+                </a:solidFill>
+                <a:effectLst/>
+                <a:latin typeface="Consolas" panose="020B0609020204030204" pitchFamily="49" charset="0"/>
+              </a:rPr>
+              <a:t>else</a:t>
+            </a:r>
+            <a:r>
+              <a:rPr lang="en-CA" b="0" dirty="0">
+                <a:solidFill>
+                  <a:srgbClr val="D4D4D4"/>
+                </a:solidFill>
+                <a:effectLst/>
+                <a:latin typeface="Consolas" panose="020B0609020204030204" pitchFamily="49" charset="0"/>
+              </a:rPr>
+              <a:t> </a:t>
+            </a:r>
+            <a:r>
+              <a:rPr lang="en-CA" b="0" dirty="0">
+                <a:solidFill>
+                  <a:srgbClr val="C586C0"/>
+                </a:solidFill>
+                <a:effectLst/>
+                <a:latin typeface="Consolas" panose="020B0609020204030204" pitchFamily="49" charset="0"/>
+              </a:rPr>
+              <a:t>if</a:t>
+            </a:r>
+            <a:r>
+              <a:rPr lang="en-CA" b="0" dirty="0">
+                <a:solidFill>
+                  <a:srgbClr val="D4D4D4"/>
+                </a:solidFill>
+                <a:effectLst/>
+                <a:latin typeface="Consolas" panose="020B0609020204030204" pitchFamily="49" charset="0"/>
+              </a:rPr>
+              <a:t> </a:t>
+            </a:r>
+            <a:r>
+              <a:rPr lang="en-CA" b="0" dirty="0">
+                <a:solidFill>
+                  <a:srgbClr val="569CD6"/>
+                </a:solidFill>
+                <a:effectLst/>
+                <a:latin typeface="Consolas" panose="020B0609020204030204" pitchFamily="49" charset="0"/>
+              </a:rPr>
+              <a:t>let</a:t>
+            </a:r>
+            <a:r>
+              <a:rPr lang="en-CA" b="0" dirty="0">
+                <a:solidFill>
+                  <a:srgbClr val="D4D4D4"/>
+                </a:solidFill>
+                <a:effectLst/>
+                <a:latin typeface="Consolas" panose="020B0609020204030204" pitchFamily="49" charset="0"/>
+              </a:rPr>
+              <a:t> </a:t>
+            </a:r>
+            <a:r>
+              <a:rPr lang="en-CA" b="0" dirty="0">
+                <a:solidFill>
+                  <a:srgbClr val="4EC9B0"/>
+                </a:solidFill>
+                <a:effectLst/>
+                <a:latin typeface="Consolas" panose="020B0609020204030204" pitchFamily="49" charset="0"/>
+              </a:rPr>
+              <a:t>Err</a:t>
+            </a:r>
+            <a:r>
+              <a:rPr lang="en-CA" b="0" dirty="0">
+                <a:solidFill>
+                  <a:srgbClr val="D4D4D4"/>
+                </a:solidFill>
+                <a:effectLst/>
+                <a:latin typeface="Consolas" panose="020B0609020204030204" pitchFamily="49" charset="0"/>
+              </a:rPr>
+              <a:t>(</a:t>
+            </a:r>
+            <a:r>
+              <a:rPr lang="en-CA" b="0" dirty="0">
+                <a:solidFill>
+                  <a:srgbClr val="9CDCFE"/>
+                </a:solidFill>
+                <a:effectLst/>
+                <a:latin typeface="Consolas" panose="020B0609020204030204" pitchFamily="49" charset="0"/>
+              </a:rPr>
+              <a:t>error</a:t>
+            </a:r>
+            <a:r>
+              <a:rPr lang="en-CA" b="0" dirty="0">
+                <a:solidFill>
+                  <a:srgbClr val="D4D4D4"/>
+                </a:solidFill>
+                <a:effectLst/>
+                <a:latin typeface="Consolas" panose="020B0609020204030204" pitchFamily="49" charset="0"/>
+              </a:rPr>
+              <a:t>) = </a:t>
+            </a:r>
+            <a:r>
+              <a:rPr lang="en-CA" b="0" dirty="0">
+                <a:solidFill>
+                  <a:srgbClr val="9CDCFE"/>
+                </a:solidFill>
+                <a:effectLst/>
+                <a:latin typeface="Consolas" panose="020B0609020204030204" pitchFamily="49" charset="0"/>
+              </a:rPr>
+              <a:t>var1</a:t>
+            </a:r>
+            <a:r>
+              <a:rPr lang="en-CA" b="0" dirty="0">
+                <a:solidFill>
+                  <a:srgbClr val="D4D4D4"/>
+                </a:solidFill>
+                <a:effectLst/>
+                <a:latin typeface="Consolas" panose="020B0609020204030204" pitchFamily="49" charset="0"/>
+              </a:rPr>
+              <a:t> {</a:t>
+            </a:r>
+            <a:br>
+              <a:rPr lang="en-CA" b="0" dirty="0">
+                <a:solidFill>
+                  <a:srgbClr val="D4D4D4"/>
+                </a:solidFill>
+                <a:effectLst/>
+                <a:latin typeface="Consolas" panose="020B0609020204030204" pitchFamily="49" charset="0"/>
+              </a:rPr>
+            </a:br>
+            <a:r>
+              <a:rPr lang="en-CA" b="0" dirty="0">
+                <a:solidFill>
+                  <a:srgbClr val="D4D4D4"/>
+                </a:solidFill>
+                <a:effectLst/>
+                <a:latin typeface="Consolas" panose="020B0609020204030204" pitchFamily="49" charset="0"/>
+              </a:rPr>
+              <a:t>    </a:t>
+            </a:r>
+            <a:r>
+              <a:rPr lang="en-CA" b="0" dirty="0">
+                <a:solidFill>
+                  <a:srgbClr val="DCDCAA"/>
+                </a:solidFill>
+                <a:effectLst/>
+                <a:latin typeface="Consolas" panose="020B0609020204030204" pitchFamily="49" charset="0"/>
+              </a:rPr>
+              <a:t>println!</a:t>
+            </a:r>
+            <a:r>
+              <a:rPr lang="en-CA" b="0" dirty="0">
+                <a:solidFill>
+                  <a:srgbClr val="D4D4D4"/>
+                </a:solidFill>
+                <a:effectLst/>
+                <a:latin typeface="Consolas" panose="020B0609020204030204" pitchFamily="49" charset="0"/>
+              </a:rPr>
+              <a:t>(</a:t>
+            </a:r>
+            <a:r>
+              <a:rPr lang="en-CA" b="0" dirty="0">
+                <a:solidFill>
+                  <a:srgbClr val="CE9178"/>
+                </a:solidFill>
+                <a:effectLst/>
+                <a:latin typeface="Consolas" panose="020B0609020204030204" pitchFamily="49" charset="0"/>
+              </a:rPr>
+              <a:t>"var1 contains an error: {}"</a:t>
+            </a:r>
+            <a:r>
+              <a:rPr lang="en-CA" b="0" dirty="0">
+                <a:solidFill>
+                  <a:srgbClr val="D4D4D4"/>
+                </a:solidFill>
+                <a:effectLst/>
+                <a:latin typeface="Consolas" panose="020B0609020204030204" pitchFamily="49" charset="0"/>
+              </a:rPr>
+              <a:t>, </a:t>
+            </a:r>
+            <a:r>
+              <a:rPr lang="en-CA" b="0" dirty="0">
+                <a:solidFill>
+                  <a:srgbClr val="9CDCFE"/>
+                </a:solidFill>
+                <a:effectLst/>
+                <a:latin typeface="Consolas" panose="020B0609020204030204" pitchFamily="49" charset="0"/>
+              </a:rPr>
+              <a:t>error</a:t>
+            </a:r>
+            <a:r>
+              <a:rPr lang="en-CA" b="0" dirty="0">
+                <a:solidFill>
+                  <a:srgbClr val="D4D4D4"/>
+                </a:solidFill>
+                <a:effectLst/>
+                <a:latin typeface="Consolas" panose="020B0609020204030204" pitchFamily="49" charset="0"/>
+              </a:rPr>
+              <a:t>)</a:t>
+            </a:r>
+            <a:br>
+              <a:rPr lang="en-CA" b="0" dirty="0">
+                <a:solidFill>
+                  <a:srgbClr val="D4D4D4"/>
+                </a:solidFill>
+                <a:effectLst/>
+                <a:latin typeface="Consolas" panose="020B0609020204030204" pitchFamily="49" charset="0"/>
+              </a:rPr>
+            </a:br>
+            <a:r>
+              <a:rPr lang="en-CA" b="0" dirty="0">
+                <a:solidFill>
+                  <a:srgbClr val="D4D4D4"/>
+                </a:solidFill>
+                <a:effectLst/>
+                <a:latin typeface="Consolas" panose="020B0609020204030204" pitchFamily="49" charset="0"/>
+              </a:rPr>
+              <a:t>}</a:t>
+            </a:r>
+          </a:p>
+          <a:p>
+            <a:endParaRPr lang="en-CA" dirty="0"/>
+          </a:p>
+        </p:txBody>
+      </p:sp>
+    </p:spTree>
+    <p:extLst>
+      <p:ext uri="{BB962C8B-B14F-4D97-AF65-F5344CB8AC3E}">
+        <p14:creationId xmlns:p14="http://schemas.microsoft.com/office/powerpoint/2010/main" val="2225710112"/>
+      </p:ext>
+    </p:extLst>
+  </p:cSld>
+  <p:clrMapOvr>
+    <a:masterClrMapping/>
+  </p:clrMapOvr>
+</p:sld>
+</file>
+
+<file path=ppt/slides/slide21.xml><?xml version="1.0" encoding="utf-8"?>
+<p:sld xmlns:a="http://schemas.openxmlformats.org/drawingml/2006/main" xmlns:r="http://schemas.openxmlformats.org/officeDocument/2006/relationships" xmlns:p="http://schemas.openxmlformats.org/presentationml/2006/main">
+  <p:cSld>
+    <p:spTree>
+      <p:nvGrpSpPr>
+        <p:cNvPr id="1" name=""/>
+        <p:cNvGrpSpPr/>
+        <p:nvPr/>
+      </p:nvGrpSpPr>
+      <p:grpSpPr>
+        <a:xfrm>
+          <a:off x="0" y="0"/>
+          <a:ext cx="0" cy="0"/>
+          <a:chOff x="0" y="0"/>
+          <a:chExt cx="0" cy="0"/>
+        </a:xfrm>
+      </p:grpSpPr>
+      <p:sp>
+        <p:nvSpPr>
+          <p:cNvPr id="2" name="Title 1">
+            <a:extLst>
+              <a:ext uri="{FF2B5EF4-FFF2-40B4-BE49-F238E27FC236}">
                 <a16:creationId xmlns:a16="http://schemas.microsoft.com/office/drawing/2014/main" id="{B55CC7B5-3FD1-4EEA-B827-0D9EEC20FD8B}"/>
               </a:ext>
             </a:extLst>
@@ -15609,7 +16140,7 @@
 </p:sld>
 </file>
 
-<file path=ppt/slides/slide21.xml><?xml version="1.0" encoding="utf-8"?>
+<file path=ppt/slides/slide22.xml><?xml version="1.0" encoding="utf-8"?>
 <p:sld xmlns:a="http://schemas.openxmlformats.org/drawingml/2006/main" xmlns:r="http://schemas.openxmlformats.org/officeDocument/2006/relationships" xmlns:p="http://schemas.openxmlformats.org/presentationml/2006/main">
   <p:cSld>
     <p:spTree>
@@ -15703,7 +16234,7 @@
 </p:sld>
 </file>
 
-<file path=ppt/slides/slide22.xml><?xml version="1.0" encoding="utf-8"?>
+<file path=ppt/slides/slide23.xml><?xml version="1.0" encoding="utf-8"?>
 <p:sld xmlns:a="http://schemas.openxmlformats.org/drawingml/2006/main" xmlns:r="http://schemas.openxmlformats.org/officeDocument/2006/relationships" xmlns:p="http://schemas.openxmlformats.org/presentationml/2006/main">
   <p:cSld>
     <p:spTree>
@@ -16353,6 +16884,28 @@
               <a:t>Ready to go!!</a:t>
             </a:r>
           </a:p>
+          <a:p>
+            <a:r>
+              <a:rPr lang="en-CA" dirty="0"/>
+              <a:t>To format your code, use </a:t>
+            </a:r>
+            <a:r>
+              <a:rPr lang="en-CA" dirty="0" err="1"/>
+              <a:t>Shift+Alt+F</a:t>
+            </a:r>
+            <a:endParaRPr lang="en-CA" dirty="0"/>
+          </a:p>
+          <a:p>
+            <a:r>
+              <a:rPr lang="en-CA" dirty="0"/>
+              <a:t>If you use Cargo run and your program is stuck, use </a:t>
+            </a:r>
+            <a:r>
+              <a:rPr lang="en-CA" dirty="0" err="1"/>
+              <a:t>Ctrl+C</a:t>
+            </a:r>
+            <a:endParaRPr lang="en-CA" dirty="0"/>
+          </a:p>
         </p:txBody>
       </p:sp>
     </p:spTree>
@@ -16568,7 +17121,7 @@
           <p:cNvPr id="2" name="Title 1">
             <a:extLst>
               <a:ext uri="{FF2B5EF4-FFF2-40B4-BE49-F238E27FC236}">
-                <a16:creationId xmlns:a16="http://schemas.microsoft.com/office/drawing/2014/main" id="{E66F1A2C-0FB9-4D57-A9F6-FBF02BDD0366}"/>
+                <a16:creationId xmlns:a16="http://schemas.microsoft.com/office/drawing/2014/main" id="{89D2F4B6-31AF-4B06-8458-18774A02248F}"/>
               </a:ext>
             </a:extLst>
           </p:cNvPr>
@@ -16585,410 +17138,524 @@
           <a:lstStyle/>
           <a:p>
             <a:r>
-              <a:rPr lang="en-CA" b="0" dirty="0">
-                <a:solidFill>
-                  <a:srgbClr val="DCDCAA"/>
-                </a:solidFill>
-                <a:effectLst/>
-                <a:latin typeface="Consolas" panose="020B0609020204030204" pitchFamily="49" charset="0"/>
-              </a:rPr>
-              <a:t>println!</a:t>
-            </a:r>
-            <a:r>
-              <a:rPr lang="en-CA" b="0" dirty="0">
-                <a:solidFill>
-                  <a:srgbClr val="D4D4D4"/>
-                </a:solidFill>
-                <a:effectLst/>
-                <a:latin typeface="Consolas" panose="020B0609020204030204" pitchFamily="49" charset="0"/>
-              </a:rPr>
-              <a:t>(</a:t>
-            </a:r>
-            <a:r>
-              <a:rPr lang="en-CA" b="0" dirty="0">
-                <a:solidFill>
-                  <a:srgbClr val="CE9178"/>
-                </a:solidFill>
-                <a:effectLst/>
-                <a:latin typeface="Consolas" panose="020B0609020204030204" pitchFamily="49" charset="0"/>
-              </a:rPr>
-              <a:t>"Hello World!"</a:t>
-            </a:r>
-            <a:r>
-              <a:rPr lang="en-CA" b="0" dirty="0">
-                <a:solidFill>
-                  <a:srgbClr val="D4D4D4"/>
-                </a:solidFill>
-                <a:effectLst/>
-                <a:latin typeface="Consolas" panose="020B0609020204030204" pitchFamily="49" charset="0"/>
-              </a:rPr>
-              <a:t>);</a:t>
+              <a:rPr lang="en-CA" dirty="0"/>
+              <a:t>Types</a:t>
             </a:r>
           </a:p>
         </p:txBody>
       </p:sp>
-      <p:sp>
-        <p:nvSpPr>
-          <p:cNvPr id="3" name="Content Placeholder 2">
+      <p:graphicFrame>
+        <p:nvGraphicFramePr>
+          <p:cNvPr id="6" name="Table 6">
             <a:extLst>
               <a:ext uri="{FF2B5EF4-FFF2-40B4-BE49-F238E27FC236}">
-                <a16:creationId xmlns:a16="http://schemas.microsoft.com/office/drawing/2014/main" id="{032F23B7-BC11-43E5-B4FF-56038937CB3D}"/>
+                <a16:creationId xmlns:a16="http://schemas.microsoft.com/office/drawing/2014/main" id="{62F77F34-913B-4EEB-A3FF-C14EDEE8F4A6}"/>
               </a:ext>
             </a:extLst>
           </p:cNvPr>
-          <p:cNvSpPr>
-            <a:spLocks noGrp="1"/>
-          </p:cNvSpPr>
+          <p:cNvGraphicFramePr>
+            <a:graphicFrameLocks noGrp="1"/>
+          </p:cNvGraphicFramePr>
           <p:nvPr>
             <p:ph idx="1"/>
+            <p:extLst>
+              <p:ext uri="{D42A27DB-BD31-4B8C-83A1-F6EECF244321}">
+                <p14:modId xmlns:p14="http://schemas.microsoft.com/office/powerpoint/2010/main" val="2790811349"/>
+              </p:ext>
+            </p:extLst>
           </p:nvPr>
-        </p:nvSpPr>
-        <p:spPr/>
-        <p:txBody>
-          <a:bodyPr/>
-          <a:lstStyle/>
-          <a:p>
-            <a:r>
-              <a:rPr lang="en-CA" dirty="0"/>
-              <a:t>! Means that it is a macro, not a function</a:t>
-            </a:r>
-          </a:p>
-          <a:p>
-            <a:r>
-              <a:rPr lang="en-CA" dirty="0"/>
-              <a:t>Ability to pass dynamic amount of values</a:t>
-            </a:r>
-          </a:p>
-          <a:p>
-            <a:pPr>
-              <a:buClr>
-                <a:schemeClr val="tx1"/>
-              </a:buClr>
-            </a:pPr>
-            <a:r>
-              <a:rPr lang="en-CA" b="0" dirty="0">
-                <a:solidFill>
-                  <a:srgbClr val="DCDCAA"/>
-                </a:solidFill>
-                <a:effectLst/>
-                <a:latin typeface="Consolas" panose="020B0609020204030204" pitchFamily="49" charset="0"/>
-              </a:rPr>
-              <a:t>println!</a:t>
-            </a:r>
-            <a:r>
-              <a:rPr lang="en-CA" b="0" dirty="0">
-                <a:solidFill>
-                  <a:srgbClr val="D4D4D4"/>
-                </a:solidFill>
-                <a:effectLst/>
-                <a:latin typeface="Consolas" panose="020B0609020204030204" pitchFamily="49" charset="0"/>
-              </a:rPr>
-              <a:t>(</a:t>
-            </a:r>
-            <a:r>
-              <a:rPr lang="en-CA" b="0" dirty="0">
-                <a:solidFill>
-                  <a:srgbClr val="CE9178"/>
-                </a:solidFill>
-                <a:effectLst/>
-                <a:latin typeface="Consolas" panose="020B0609020204030204" pitchFamily="49" charset="0"/>
-              </a:rPr>
-              <a:t>"{} {}"</a:t>
-            </a:r>
-            <a:r>
-              <a:rPr lang="en-CA" b="0" dirty="0">
-                <a:solidFill>
-                  <a:srgbClr val="D4D4D4"/>
-                </a:solidFill>
-                <a:effectLst/>
-                <a:latin typeface="Consolas" panose="020B0609020204030204" pitchFamily="49" charset="0"/>
-              </a:rPr>
-              <a:t>, </a:t>
-            </a:r>
-            <a:r>
-              <a:rPr lang="en-CA" b="0" dirty="0">
-                <a:solidFill>
-                  <a:srgbClr val="B5CEA8"/>
-                </a:solidFill>
-                <a:effectLst/>
-                <a:latin typeface="Consolas" panose="020B0609020204030204" pitchFamily="49" charset="0"/>
-              </a:rPr>
-              <a:t>5</a:t>
-            </a:r>
-            <a:r>
-              <a:rPr lang="en-CA" b="0" dirty="0">
-                <a:solidFill>
-                  <a:srgbClr val="D4D4D4"/>
-                </a:solidFill>
-                <a:effectLst/>
-                <a:latin typeface="Consolas" panose="020B0609020204030204" pitchFamily="49" charset="0"/>
-              </a:rPr>
-              <a:t>, </a:t>
-            </a:r>
-            <a:r>
-              <a:rPr lang="en-CA" b="0" dirty="0">
-                <a:solidFill>
-                  <a:srgbClr val="B5CEA8"/>
-                </a:solidFill>
-                <a:effectLst/>
-                <a:latin typeface="Consolas" panose="020B0609020204030204" pitchFamily="49" charset="0"/>
-              </a:rPr>
-              <a:t>6</a:t>
-            </a:r>
-            <a:r>
-              <a:rPr lang="en-CA" b="0" dirty="0">
-                <a:solidFill>
-                  <a:srgbClr val="D4D4D4"/>
-                </a:solidFill>
-                <a:effectLst/>
-                <a:latin typeface="Consolas" panose="020B0609020204030204" pitchFamily="49" charset="0"/>
-              </a:rPr>
-              <a:t>);</a:t>
-            </a:r>
-          </a:p>
-          <a:p>
-            <a:pPr>
-              <a:buClr>
-                <a:schemeClr val="tx1"/>
-              </a:buClr>
-            </a:pPr>
-            <a:r>
-              <a:rPr lang="en-CA" b="0" dirty="0">
-                <a:solidFill>
-                  <a:srgbClr val="DCDCAA"/>
-                </a:solidFill>
-                <a:effectLst/>
-                <a:latin typeface="Consolas" panose="020B0609020204030204" pitchFamily="49" charset="0"/>
-              </a:rPr>
-              <a:t>println!</a:t>
-            </a:r>
-            <a:r>
-              <a:rPr lang="en-CA" b="0" dirty="0">
-                <a:solidFill>
-                  <a:srgbClr val="D4D4D4"/>
-                </a:solidFill>
-                <a:effectLst/>
-                <a:latin typeface="Consolas" panose="020B0609020204030204" pitchFamily="49" charset="0"/>
-              </a:rPr>
-              <a:t>(</a:t>
-            </a:r>
-            <a:r>
-              <a:rPr lang="en-CA" b="0" dirty="0">
-                <a:solidFill>
-                  <a:srgbClr val="CE9178"/>
-                </a:solidFill>
-                <a:effectLst/>
-                <a:latin typeface="Consolas" panose="020B0609020204030204" pitchFamily="49" charset="0"/>
-              </a:rPr>
-              <a:t>"{}"</a:t>
-            </a:r>
-            <a:r>
-              <a:rPr lang="en-CA" b="0" dirty="0">
-                <a:solidFill>
-                  <a:srgbClr val="D4D4D4"/>
-                </a:solidFill>
-                <a:effectLst/>
-                <a:latin typeface="Consolas" panose="020B0609020204030204" pitchFamily="49" charset="0"/>
-              </a:rPr>
-              <a:t>, </a:t>
-            </a:r>
-            <a:r>
-              <a:rPr lang="en-CA" b="0" dirty="0">
-                <a:solidFill>
-                  <a:srgbClr val="9CDCFE"/>
-                </a:solidFill>
-                <a:effectLst/>
-                <a:latin typeface="Consolas" panose="020B0609020204030204" pitchFamily="49" charset="0"/>
-              </a:rPr>
-              <a:t>var1</a:t>
-            </a:r>
-            <a:r>
-              <a:rPr lang="en-CA" b="0" dirty="0">
-                <a:solidFill>
-                  <a:srgbClr val="D4D4D4"/>
-                </a:solidFill>
-                <a:effectLst/>
-                <a:latin typeface="Consolas" panose="020B0609020204030204" pitchFamily="49" charset="0"/>
-              </a:rPr>
-              <a:t>);</a:t>
-            </a:r>
-          </a:p>
-          <a:p>
-            <a:pPr>
-              <a:buClr>
-                <a:schemeClr val="tx1"/>
-              </a:buClr>
-            </a:pPr>
-            <a:r>
-              <a:rPr lang="en-CA" b="0" dirty="0">
-                <a:solidFill>
-                  <a:srgbClr val="DCDCAA"/>
-                </a:solidFill>
-                <a:effectLst/>
-                <a:latin typeface="Consolas" panose="020B0609020204030204" pitchFamily="49" charset="0"/>
-              </a:rPr>
-              <a:t>println!</a:t>
-            </a:r>
-            <a:r>
-              <a:rPr lang="en-CA" b="0" dirty="0">
-                <a:solidFill>
-                  <a:srgbClr val="D4D4D4"/>
-                </a:solidFill>
-                <a:effectLst/>
-                <a:latin typeface="Consolas" panose="020B0609020204030204" pitchFamily="49" charset="0"/>
-              </a:rPr>
-              <a:t>(</a:t>
-            </a:r>
-            <a:r>
-              <a:rPr lang="en-CA" b="0" dirty="0">
-                <a:solidFill>
-                  <a:srgbClr val="CE9178"/>
-                </a:solidFill>
-                <a:effectLst/>
-                <a:latin typeface="Consolas" panose="020B0609020204030204" pitchFamily="49" charset="0"/>
-              </a:rPr>
-              <a:t>"hello {} !"</a:t>
-            </a:r>
-            <a:r>
-              <a:rPr lang="en-CA" b="0" dirty="0">
-                <a:solidFill>
-                  <a:srgbClr val="D4D4D4"/>
-                </a:solidFill>
-                <a:effectLst/>
-                <a:latin typeface="Consolas" panose="020B0609020204030204" pitchFamily="49" charset="0"/>
-              </a:rPr>
-              <a:t>, </a:t>
-            </a:r>
-            <a:r>
-              <a:rPr lang="en-CA" b="0" dirty="0">
-                <a:solidFill>
-                  <a:srgbClr val="9CDCFE"/>
-                </a:solidFill>
-                <a:effectLst/>
-                <a:latin typeface="Consolas" panose="020B0609020204030204" pitchFamily="49" charset="0"/>
-              </a:rPr>
-              <a:t>var1</a:t>
-            </a:r>
-            <a:r>
-              <a:rPr lang="en-CA" b="0" dirty="0">
-                <a:solidFill>
-                  <a:srgbClr val="D4D4D4"/>
-                </a:solidFill>
-                <a:effectLst/>
-                <a:latin typeface="Consolas" panose="020B0609020204030204" pitchFamily="49" charset="0"/>
-              </a:rPr>
-              <a:t>);</a:t>
-            </a:r>
-          </a:p>
-          <a:p>
-            <a:pPr>
-              <a:buClr>
-                <a:schemeClr val="tx1"/>
-              </a:buClr>
-            </a:pPr>
-            <a:r>
-              <a:rPr lang="en-CA" b="0" dirty="0">
-                <a:solidFill>
-                  <a:srgbClr val="DCDCAA"/>
-                </a:solidFill>
-                <a:effectLst/>
-                <a:latin typeface="Consolas" panose="020B0609020204030204" pitchFamily="49" charset="0"/>
-              </a:rPr>
-              <a:t>println!</a:t>
-            </a:r>
-            <a:r>
-              <a:rPr lang="en-CA" b="0" dirty="0">
-                <a:solidFill>
-                  <a:srgbClr val="D4D4D4"/>
-                </a:solidFill>
-                <a:effectLst/>
-                <a:latin typeface="Consolas" panose="020B0609020204030204" pitchFamily="49" charset="0"/>
-              </a:rPr>
-              <a:t>(</a:t>
-            </a:r>
-            <a:r>
-              <a:rPr lang="en-CA" b="0" dirty="0">
-                <a:solidFill>
-                  <a:srgbClr val="CE9178"/>
-                </a:solidFill>
-                <a:effectLst/>
-                <a:latin typeface="Consolas" panose="020B0609020204030204" pitchFamily="49" charset="0"/>
-              </a:rPr>
-              <a:t>"hello {0}, {0} !"</a:t>
-            </a:r>
-            <a:r>
-              <a:rPr lang="en-CA" b="0" dirty="0">
-                <a:solidFill>
-                  <a:srgbClr val="D4D4D4"/>
-                </a:solidFill>
-                <a:effectLst/>
-                <a:latin typeface="Consolas" panose="020B0609020204030204" pitchFamily="49" charset="0"/>
-              </a:rPr>
-              <a:t>, </a:t>
-            </a:r>
-            <a:r>
-              <a:rPr lang="en-CA" b="0" dirty="0">
-                <a:solidFill>
-                  <a:srgbClr val="9CDCFE"/>
-                </a:solidFill>
-                <a:effectLst/>
-                <a:latin typeface="Consolas" panose="020B0609020204030204" pitchFamily="49" charset="0"/>
-              </a:rPr>
-              <a:t>var1</a:t>
-            </a:r>
-            <a:r>
-              <a:rPr lang="en-CA" b="0" dirty="0">
-                <a:solidFill>
-                  <a:srgbClr val="D4D4D4"/>
-                </a:solidFill>
-                <a:effectLst/>
-                <a:latin typeface="Consolas" panose="020B0609020204030204" pitchFamily="49" charset="0"/>
-              </a:rPr>
-              <a:t>);</a:t>
-            </a:r>
-          </a:p>
-          <a:p>
-            <a:pPr marL="0" indent="0">
-              <a:buClr>
-                <a:schemeClr val="tx1"/>
-              </a:buClr>
-              <a:buNone/>
-            </a:pPr>
-            <a:endParaRPr lang="en-CA" b="0" dirty="0">
-              <a:solidFill>
-                <a:srgbClr val="D4D4D4"/>
-              </a:solidFill>
-              <a:effectLst/>
-              <a:latin typeface="Consolas" panose="020B0609020204030204" pitchFamily="49" charset="0"/>
-            </a:endParaRPr>
-          </a:p>
-          <a:p>
-            <a:endParaRPr lang="en-CA" b="0" dirty="0">
-              <a:solidFill>
-                <a:srgbClr val="D4D4D4"/>
-              </a:solidFill>
-              <a:effectLst/>
-              <a:latin typeface="Consolas" panose="020B0609020204030204" pitchFamily="49" charset="0"/>
-            </a:endParaRPr>
-          </a:p>
-          <a:p>
-            <a:endParaRPr lang="en-CA" b="0" dirty="0">
-              <a:solidFill>
-                <a:srgbClr val="D4D4D4"/>
-              </a:solidFill>
-              <a:effectLst/>
-              <a:latin typeface="Consolas" panose="020B0609020204030204" pitchFamily="49" charset="0"/>
-            </a:endParaRPr>
-          </a:p>
-          <a:p>
-            <a:endParaRPr lang="en-CA" dirty="0"/>
-          </a:p>
-        </p:txBody>
-      </p:sp>
+        </p:nvGraphicFramePr>
+        <p:xfrm>
+          <a:off x="867642" y="2290843"/>
+          <a:ext cx="10456716" cy="2510274"/>
+        </p:xfrm>
+        <a:graphic>
+          <a:graphicData uri="http://schemas.openxmlformats.org/drawingml/2006/table">
+            <a:tbl>
+              <a:tblPr bandRow="1">
+                <a:tableStyleId>{AF606853-7671-496A-8E4F-DF71F8EC918B}</a:tableStyleId>
+              </a:tblPr>
+              <a:tblGrid>
+                <a:gridCol w="936131">
+                  <a:extLst>
+                    <a:ext uri="{9D8B030D-6E8A-4147-A177-3AD203B41FA5}">
+                      <a16:colId xmlns:a16="http://schemas.microsoft.com/office/drawing/2014/main" val="1259309095"/>
+                    </a:ext>
+                  </a:extLst>
+                </a:gridCol>
+                <a:gridCol w="4017409">
+                  <a:extLst>
+                    <a:ext uri="{9D8B030D-6E8A-4147-A177-3AD203B41FA5}">
+                      <a16:colId xmlns:a16="http://schemas.microsoft.com/office/drawing/2014/main" val="3234762732"/>
+                    </a:ext>
+                  </a:extLst>
+                </a:gridCol>
+                <a:gridCol w="855678">
+                  <a:extLst>
+                    <a:ext uri="{9D8B030D-6E8A-4147-A177-3AD203B41FA5}">
+                      <a16:colId xmlns:a16="http://schemas.microsoft.com/office/drawing/2014/main" val="3495336957"/>
+                    </a:ext>
+                  </a:extLst>
+                </a:gridCol>
+                <a:gridCol w="4647498">
+                  <a:extLst>
+                    <a:ext uri="{9D8B030D-6E8A-4147-A177-3AD203B41FA5}">
+                      <a16:colId xmlns:a16="http://schemas.microsoft.com/office/drawing/2014/main" val="2654645175"/>
+                    </a:ext>
+                  </a:extLst>
+                </a:gridCol>
+              </a:tblGrid>
+              <a:tr h="386834">
+                <a:tc>
+                  <a:txBody>
+                    <a:bodyPr/>
+                    <a:lstStyle/>
+                    <a:p>
+                      <a:r>
+                        <a:rPr lang="en-CA" dirty="0"/>
+                        <a:t>u8</a:t>
+                      </a:r>
+                    </a:p>
+                  </a:txBody>
+                  <a:tcPr/>
+                </a:tc>
+                <a:tc>
+                  <a:txBody>
+                    <a:bodyPr/>
+                    <a:lstStyle/>
+                    <a:p>
+                      <a:r>
+                        <a:rPr lang="en-CA" dirty="0"/>
+                        <a:t>0 to 255</a:t>
+                      </a:r>
+                    </a:p>
+                  </a:txBody>
+                  <a:tcPr/>
+                </a:tc>
+                <a:tc>
+                  <a:txBody>
+                    <a:bodyPr/>
+                    <a:lstStyle/>
+                    <a:p>
+                      <a:r>
+                        <a:rPr lang="en-CA" dirty="0"/>
+                        <a:t>i8</a:t>
+                      </a:r>
+                    </a:p>
+                  </a:txBody>
+                  <a:tcPr/>
+                </a:tc>
+                <a:tc>
+                  <a:txBody>
+                    <a:bodyPr/>
+                    <a:lstStyle/>
+                    <a:p>
+                      <a:r>
+                        <a:rPr lang="en-CA" dirty="0"/>
+                        <a:t>-128 to 127</a:t>
+                      </a:r>
+                    </a:p>
+                  </a:txBody>
+                  <a:tcPr/>
+                </a:tc>
+                <a:extLst>
+                  <a:ext uri="{0D108BD9-81ED-4DB2-BD59-A6C34878D82A}">
+                    <a16:rowId xmlns:a16="http://schemas.microsoft.com/office/drawing/2014/main" val="807406885"/>
+                  </a:ext>
+                </a:extLst>
+              </a:tr>
+              <a:tr h="370840">
+                <a:tc>
+                  <a:txBody>
+                    <a:bodyPr/>
+                    <a:lstStyle/>
+                    <a:p>
+                      <a:r>
+                        <a:rPr lang="en-CA" dirty="0"/>
+                        <a:t>u16</a:t>
+                      </a:r>
+                    </a:p>
+                  </a:txBody>
+                  <a:tcPr/>
+                </a:tc>
+                <a:tc>
+                  <a:txBody>
+                    <a:bodyPr/>
+                    <a:lstStyle/>
+                    <a:p>
+                      <a:r>
+                        <a:rPr lang="en-CA" dirty="0"/>
+                        <a:t>0 to 65 535</a:t>
+                      </a:r>
+                    </a:p>
+                  </a:txBody>
+                  <a:tcPr/>
+                </a:tc>
+                <a:tc>
+                  <a:txBody>
+                    <a:bodyPr/>
+                    <a:lstStyle/>
+                    <a:p>
+                      <a:r>
+                        <a:rPr lang="en-CA" dirty="0"/>
+                        <a:t>i16</a:t>
+                      </a:r>
+                    </a:p>
+                  </a:txBody>
+                  <a:tcPr/>
+                </a:tc>
+                <a:tc>
+                  <a:txBody>
+                    <a:bodyPr/>
+                    <a:lstStyle/>
+                    <a:p>
+                      <a:r>
+                        <a:rPr lang="en-CA" sz="1800" b="0" i="0" kern="1200" dirty="0">
+                          <a:solidFill>
+                            <a:schemeClr val="lt1"/>
+                          </a:solidFill>
+                          <a:effectLst/>
+                          <a:latin typeface="+mn-lt"/>
+                          <a:ea typeface="+mn-ea"/>
+                          <a:cs typeface="+mn-cs"/>
+                        </a:rPr>
+                        <a:t>-32 768 to 32 767</a:t>
+                      </a:r>
+                      <a:endParaRPr lang="en-CA" b="0" dirty="0"/>
+                    </a:p>
+                  </a:txBody>
+                  <a:tcPr/>
+                </a:tc>
+                <a:extLst>
+                  <a:ext uri="{0D108BD9-81ED-4DB2-BD59-A6C34878D82A}">
+                    <a16:rowId xmlns:a16="http://schemas.microsoft.com/office/drawing/2014/main" val="2362087725"/>
+                  </a:ext>
+                </a:extLst>
+              </a:tr>
+              <a:tr h="370840">
+                <a:tc>
+                  <a:txBody>
+                    <a:bodyPr/>
+                    <a:lstStyle/>
+                    <a:p>
+                      <a:r>
+                        <a:rPr lang="en-CA" dirty="0"/>
+                        <a:t>u32</a:t>
+                      </a:r>
+                    </a:p>
+                  </a:txBody>
+                  <a:tcPr/>
+                </a:tc>
+                <a:tc>
+                  <a:txBody>
+                    <a:bodyPr/>
+                    <a:lstStyle/>
+                    <a:p>
+                      <a:r>
+                        <a:rPr lang="en-CA" sz="1800" b="0" i="0" kern="1200" dirty="0">
+                          <a:solidFill>
+                            <a:schemeClr val="lt1"/>
+                          </a:solidFill>
+                          <a:effectLst/>
+                          <a:latin typeface="+mn-lt"/>
+                          <a:ea typeface="+mn-ea"/>
+                          <a:cs typeface="+mn-cs"/>
+                        </a:rPr>
+                        <a:t>0 to 4 294 967 295</a:t>
+                      </a:r>
+                      <a:endParaRPr lang="en-CA" b="0" dirty="0"/>
+                    </a:p>
+                  </a:txBody>
+                  <a:tcPr/>
+                </a:tc>
+                <a:tc>
+                  <a:txBody>
+                    <a:bodyPr/>
+                    <a:lstStyle/>
+                    <a:p>
+                      <a:r>
+                        <a:rPr lang="en-CA" dirty="0"/>
+                        <a:t>i32</a:t>
+                      </a:r>
+                    </a:p>
+                  </a:txBody>
+                  <a:tcPr/>
+                </a:tc>
+                <a:tc>
+                  <a:txBody>
+                    <a:bodyPr/>
+                    <a:lstStyle/>
+                    <a:p>
+                      <a:r>
+                        <a:rPr lang="en-CA" sz="1800" b="0" i="0" kern="1200" dirty="0">
+                          <a:solidFill>
+                            <a:schemeClr val="lt1"/>
+                          </a:solidFill>
+                          <a:effectLst/>
+                          <a:latin typeface="+mn-lt"/>
+                          <a:ea typeface="+mn-ea"/>
+                          <a:cs typeface="+mn-cs"/>
+                        </a:rPr>
+                        <a:t>-2 147 483 648 to 2 147 483 647</a:t>
+                      </a:r>
+                      <a:endParaRPr lang="en-CA" b="0" dirty="0"/>
+                    </a:p>
+                  </a:txBody>
+                  <a:tcPr/>
+                </a:tc>
+                <a:extLst>
+                  <a:ext uri="{0D108BD9-81ED-4DB2-BD59-A6C34878D82A}">
+                    <a16:rowId xmlns:a16="http://schemas.microsoft.com/office/drawing/2014/main" val="2135168311"/>
+                  </a:ext>
+                </a:extLst>
+              </a:tr>
+              <a:tr h="370840">
+                <a:tc>
+                  <a:txBody>
+                    <a:bodyPr/>
+                    <a:lstStyle/>
+                    <a:p>
+                      <a:r>
+                        <a:rPr lang="en-CA" dirty="0"/>
+                        <a:t>u64</a:t>
+                      </a:r>
+                    </a:p>
+                  </a:txBody>
+                  <a:tcPr/>
+                </a:tc>
+                <a:tc>
+                  <a:txBody>
+                    <a:bodyPr/>
+                    <a:lstStyle/>
+                    <a:p>
+                      <a:r>
+                        <a:rPr lang="en-CA" sz="1800" b="0" i="0" kern="1200" dirty="0">
+                          <a:solidFill>
+                            <a:schemeClr val="lt1"/>
+                          </a:solidFill>
+                          <a:effectLst/>
+                          <a:latin typeface="+mn-lt"/>
+                          <a:ea typeface="+mn-ea"/>
+                          <a:cs typeface="+mn-cs"/>
+                        </a:rPr>
+                        <a:t>0 to 18 446 744 073 709 551 615</a:t>
+                      </a:r>
+                      <a:endParaRPr lang="en-CA" b="0" dirty="0"/>
+                    </a:p>
+                  </a:txBody>
+                  <a:tcPr/>
+                </a:tc>
+                <a:tc>
+                  <a:txBody>
+                    <a:bodyPr/>
+                    <a:lstStyle/>
+                    <a:p>
+                      <a:r>
+                        <a:rPr lang="en-CA" dirty="0"/>
+                        <a:t>i64</a:t>
+                      </a:r>
+                    </a:p>
+                  </a:txBody>
+                  <a:tcPr/>
+                </a:tc>
+                <a:tc>
+                  <a:txBody>
+                    <a:bodyPr/>
+                    <a:lstStyle/>
+                    <a:p>
+                      <a:r>
+                        <a:rPr lang="en-CA" sz="1800" b="0" i="0" kern="1200" dirty="0">
+                          <a:solidFill>
+                            <a:schemeClr val="lt1"/>
+                          </a:solidFill>
+                          <a:effectLst/>
+                          <a:latin typeface="+mn-lt"/>
+                          <a:ea typeface="+mn-ea"/>
+                          <a:cs typeface="+mn-cs"/>
+                        </a:rPr>
+                        <a:t>-9 223 372 036 854 775 808 to </a:t>
+                      </a:r>
+                    </a:p>
+                    <a:p>
+                      <a:r>
+                        <a:rPr lang="en-CA" sz="1800" b="0" i="0" kern="1200" dirty="0">
+                          <a:solidFill>
+                            <a:schemeClr val="lt1"/>
+                          </a:solidFill>
+                          <a:effectLst/>
+                          <a:latin typeface="+mn-lt"/>
+                          <a:ea typeface="+mn-ea"/>
+                          <a:cs typeface="+mn-cs"/>
+                        </a:rPr>
+                        <a:t>9 223 372 036 854 775 807</a:t>
+                      </a:r>
+                      <a:endParaRPr lang="en-CA" b="0" dirty="0"/>
+                    </a:p>
+                  </a:txBody>
+                  <a:tcPr/>
+                </a:tc>
+                <a:extLst>
+                  <a:ext uri="{0D108BD9-81ED-4DB2-BD59-A6C34878D82A}">
+                    <a16:rowId xmlns:a16="http://schemas.microsoft.com/office/drawing/2014/main" val="714956482"/>
+                  </a:ext>
+                </a:extLst>
+              </a:tr>
+              <a:tr h="370840">
+                <a:tc>
+                  <a:txBody>
+                    <a:bodyPr/>
+                    <a:lstStyle/>
+                    <a:p>
+                      <a:r>
+                        <a:rPr lang="en-CA" dirty="0"/>
+                        <a:t>f32</a:t>
+                      </a:r>
+                    </a:p>
+                  </a:txBody>
+                  <a:tcPr/>
+                </a:tc>
+                <a:tc>
+                  <a:txBody>
+                    <a:bodyPr/>
+                    <a:lstStyle/>
+                    <a:p>
+                      <a:r>
+                        <a:rPr lang="en-CA" sz="1800" b="0" i="0" kern="1200" dirty="0">
+                          <a:solidFill>
+                            <a:schemeClr val="lt1"/>
+                          </a:solidFill>
+                          <a:effectLst/>
+                          <a:latin typeface="+mn-lt"/>
+                          <a:ea typeface="+mn-ea"/>
+                          <a:cs typeface="+mn-cs"/>
+                        </a:rPr>
+                        <a:t>± 1.175 494 3 · 10</a:t>
+                      </a:r>
+                      <a:r>
+                        <a:rPr lang="en-CA" sz="1800" b="0" i="0" kern="1200" baseline="30000" dirty="0">
+                          <a:solidFill>
+                            <a:schemeClr val="lt1"/>
+                          </a:solidFill>
+                          <a:effectLst/>
+                          <a:latin typeface="+mn-lt"/>
+                          <a:ea typeface="+mn-ea"/>
+                          <a:cs typeface="+mn-cs"/>
+                        </a:rPr>
+                        <a:t>-38</a:t>
+                      </a:r>
+                      <a:endParaRPr lang="en-CA" b="0" dirty="0"/>
+                    </a:p>
+                  </a:txBody>
+                  <a:tcPr/>
+                </a:tc>
+                <a:tc>
+                  <a:txBody>
+                    <a:bodyPr/>
+                    <a:lstStyle/>
+                    <a:p>
+                      <a:endParaRPr lang="en-CA" dirty="0"/>
+                    </a:p>
+                  </a:txBody>
+                  <a:tcPr/>
+                </a:tc>
+                <a:tc>
+                  <a:txBody>
+                    <a:bodyPr/>
+                    <a:lstStyle/>
+                    <a:p>
+                      <a:endParaRPr lang="en-CA" dirty="0"/>
+                    </a:p>
+                  </a:txBody>
+                  <a:tcPr/>
+                </a:tc>
+                <a:extLst>
+                  <a:ext uri="{0D108BD9-81ED-4DB2-BD59-A6C34878D82A}">
+                    <a16:rowId xmlns:a16="http://schemas.microsoft.com/office/drawing/2014/main" val="2956491270"/>
+                  </a:ext>
+                </a:extLst>
+              </a:tr>
+              <a:tr h="370840">
+                <a:tc>
+                  <a:txBody>
+                    <a:bodyPr/>
+                    <a:lstStyle/>
+                    <a:p>
+                      <a:r>
+                        <a:rPr lang="en-CA" dirty="0"/>
+                        <a:t>f64</a:t>
+                      </a:r>
+                    </a:p>
+                  </a:txBody>
+                  <a:tcPr/>
+                </a:tc>
+                <a:tc>
+                  <a:txBody>
+                    <a:bodyPr/>
+                    <a:lstStyle/>
+                    <a:p>
+                      <a:r>
+                        <a:rPr lang="en-CA" sz="1800" b="0" i="0" kern="1200" dirty="0">
+                          <a:solidFill>
+                            <a:schemeClr val="lt1"/>
+                          </a:solidFill>
+                          <a:effectLst/>
+                          <a:latin typeface="+mn-lt"/>
+                          <a:ea typeface="+mn-ea"/>
+                          <a:cs typeface="+mn-cs"/>
+                        </a:rPr>
+                        <a:t>± 2.225 073 858 507 201 4 · 10</a:t>
+                      </a:r>
+                      <a:r>
+                        <a:rPr lang="en-CA" sz="1800" b="0" i="0" kern="1200" baseline="30000" dirty="0">
+                          <a:solidFill>
+                            <a:schemeClr val="lt1"/>
+                          </a:solidFill>
+                          <a:effectLst/>
+                          <a:latin typeface="+mn-lt"/>
+                          <a:ea typeface="+mn-ea"/>
+                          <a:cs typeface="+mn-cs"/>
+                        </a:rPr>
+                        <a:t>-308</a:t>
+                      </a:r>
+                      <a:endParaRPr lang="en-CA" b="0" dirty="0"/>
+                    </a:p>
+                  </a:txBody>
+                  <a:tcPr/>
+                </a:tc>
+                <a:tc>
+                  <a:txBody>
+                    <a:bodyPr/>
+                    <a:lstStyle/>
+                    <a:p>
+                      <a:endParaRPr lang="en-CA" dirty="0"/>
+                    </a:p>
+                  </a:txBody>
+                  <a:tcPr/>
+                </a:tc>
+                <a:tc>
+                  <a:txBody>
+                    <a:bodyPr/>
+                    <a:lstStyle/>
+                    <a:p>
+                      <a:endParaRPr lang="en-CA" dirty="0"/>
+                    </a:p>
+                  </a:txBody>
+                  <a:tcPr/>
+                </a:tc>
+                <a:extLst>
+                  <a:ext uri="{0D108BD9-81ED-4DB2-BD59-A6C34878D82A}">
+                    <a16:rowId xmlns:a16="http://schemas.microsoft.com/office/drawing/2014/main" val="3120741185"/>
+                  </a:ext>
+                </a:extLst>
+              </a:tr>
+            </a:tbl>
+          </a:graphicData>
+        </a:graphic>
+      </p:graphicFrame>
     </p:spTree>
     <p:extLst>
       <p:ext uri="{BB962C8B-B14F-4D97-AF65-F5344CB8AC3E}">
-        <p14:creationId xmlns:p14="http://schemas.microsoft.com/office/powerpoint/2010/main" val="487777785"/>
+        <p14:creationId xmlns:p14="http://schemas.microsoft.com/office/powerpoint/2010/main" val="1697986448"/>
       </p:ext>
     </p:extLst>
   </p:cSld>
@@ -17020,7 +17687,7 @@
           <p:cNvPr id="2" name="Title 1">
             <a:extLst>
               <a:ext uri="{FF2B5EF4-FFF2-40B4-BE49-F238E27FC236}">
-                <a16:creationId xmlns:a16="http://schemas.microsoft.com/office/drawing/2014/main" id="{239CB93B-FB9C-4D3E-B523-1A860D89A82E}"/>
+                <a16:creationId xmlns:a16="http://schemas.microsoft.com/office/drawing/2014/main" id="{E66F1A2C-0FB9-4D57-A9F6-FBF02BDD0366}"/>
               </a:ext>
             </a:extLst>
           </p:cNvPr>
@@ -17037,8 +17704,44 @@
           <a:lstStyle/>
           <a:p>
             <a:r>
-              <a:rPr lang="en-CA" dirty="0"/>
-              <a:t>References</a:t>
+              <a:rPr lang="en-CA" b="0" dirty="0">
+                <a:solidFill>
+                  <a:srgbClr val="DCDCAA"/>
+                </a:solidFill>
+                <a:effectLst/>
+                <a:latin typeface="Consolas" panose="020B0609020204030204" pitchFamily="49" charset="0"/>
+              </a:rPr>
+              <a:t>println!</a:t>
+            </a:r>
+            <a:r>
+              <a:rPr lang="en-CA" b="0" dirty="0">
+                <a:solidFill>
+                  <a:srgbClr val="D4D4D4"/>
+                </a:solidFill>
+                <a:effectLst/>
+                <a:latin typeface="Consolas" panose="020B0609020204030204" pitchFamily="49" charset="0"/>
+              </a:rPr>
+              <a:t>(</a:t>
+            </a:r>
+            <a:r>
+              <a:rPr lang="en-CA" b="0" dirty="0">
+                <a:solidFill>
+                  <a:srgbClr val="CE9178"/>
+                </a:solidFill>
+                <a:effectLst/>
+                <a:latin typeface="Consolas" panose="020B0609020204030204" pitchFamily="49" charset="0"/>
+              </a:rPr>
+              <a:t>"Hello World!"</a:t>
+            </a:r>
+            <a:r>
+              <a:rPr lang="en-CA" b="0" dirty="0">
+                <a:solidFill>
+                  <a:srgbClr val="D4D4D4"/>
+                </a:solidFill>
+                <a:effectLst/>
+                <a:latin typeface="Consolas" panose="020B0609020204030204" pitchFamily="49" charset="0"/>
+              </a:rPr>
+              <a:t>);</a:t>
             </a:r>
           </a:p>
         </p:txBody>
@@ -17048,7 +17751,7 @@
           <p:cNvPr id="3" name="Content Placeholder 2">
             <a:extLst>
               <a:ext uri="{FF2B5EF4-FFF2-40B4-BE49-F238E27FC236}">
-                <a16:creationId xmlns:a16="http://schemas.microsoft.com/office/drawing/2014/main" id="{8840F7A4-9530-46E2-B6B2-C43BD9817B48}"/>
+                <a16:creationId xmlns:a16="http://schemas.microsoft.com/office/drawing/2014/main" id="{032F23B7-BC11-43E5-B4FF-56038937CB3D}"/>
               </a:ext>
             </a:extLst>
           </p:cNvPr>
@@ -17066,400 +17769,294 @@
           <a:p>
             <a:r>
               <a:rPr lang="en-CA" dirty="0"/>
-              <a:t>A reference is a type that signifies a variable is just a reference to another variable. </a:t>
+              <a:t>! Means that it is a macro, not a function</a:t>
             </a:r>
           </a:p>
           <a:p>
             <a:r>
               <a:rPr lang="en-CA" dirty="0"/>
-              <a:t>To take a reference of a var, use &amp;var</a:t>
-            </a:r>
-            <a:br>
-              <a:rPr lang="en-CA" dirty="0"/>
-            </a:br>
-            <a:r>
-              <a:rPr lang="en-CA" dirty="0"/>
-              <a:t>for mut, &amp;mut var</a:t>
-            </a:r>
-          </a:p>
-          <a:p>
-            <a:r>
-              <a:rPr lang="en-US" sz="2000" b="0" dirty="0">
-                <a:solidFill>
-                  <a:srgbClr val="569CD6"/>
-                </a:solidFill>
-                <a:effectLst/>
-                <a:latin typeface="Consolas" panose="020B0609020204030204" pitchFamily="49" charset="0"/>
-              </a:rPr>
-              <a:t>let</a:t>
-            </a:r>
-            <a:r>
-              <a:rPr lang="en-US" sz="2000" b="0" dirty="0">
-                <a:solidFill>
-                  <a:srgbClr val="D4D4D4"/>
-                </a:solidFill>
-                <a:effectLst/>
-                <a:latin typeface="Consolas" panose="020B0609020204030204" pitchFamily="49" charset="0"/>
-              </a:rPr>
-              <a:t> </a:t>
-            </a:r>
-            <a:r>
-              <a:rPr lang="en-US" sz="2000" b="0" dirty="0">
-                <a:solidFill>
-                  <a:srgbClr val="569CD6"/>
-                </a:solidFill>
-                <a:effectLst/>
-                <a:latin typeface="Consolas" panose="020B0609020204030204" pitchFamily="49" charset="0"/>
-              </a:rPr>
-              <a:t>mut</a:t>
-            </a:r>
-            <a:r>
-              <a:rPr lang="en-US" sz="2000" b="0" dirty="0">
-                <a:solidFill>
-                  <a:srgbClr val="D4D4D4"/>
-                </a:solidFill>
-                <a:effectLst/>
-                <a:latin typeface="Consolas" panose="020B0609020204030204" pitchFamily="49" charset="0"/>
-              </a:rPr>
-              <a:t> </a:t>
-            </a:r>
-            <a:r>
-              <a:rPr lang="en-US" sz="2000" b="0" dirty="0">
+              <a:t>Ability to pass dynamic amount of values</a:t>
+            </a:r>
+          </a:p>
+          <a:p>
+            <a:pPr>
+              <a:buClr>
+                <a:schemeClr val="tx1"/>
+              </a:buClr>
+            </a:pPr>
+            <a:r>
+              <a:rPr lang="en-CA" b="0" dirty="0">
+                <a:solidFill>
+                  <a:srgbClr val="DCDCAA"/>
+                </a:solidFill>
+                <a:effectLst/>
+                <a:latin typeface="Consolas" panose="020B0609020204030204" pitchFamily="49" charset="0"/>
+              </a:rPr>
+              <a:t>println!</a:t>
+            </a:r>
+            <a:r>
+              <a:rPr lang="en-CA" b="0" dirty="0">
+                <a:solidFill>
+                  <a:srgbClr val="D4D4D4"/>
+                </a:solidFill>
+                <a:effectLst/>
+                <a:latin typeface="Consolas" panose="020B0609020204030204" pitchFamily="49" charset="0"/>
+              </a:rPr>
+              <a:t>(</a:t>
+            </a:r>
+            <a:r>
+              <a:rPr lang="en-CA" b="0" dirty="0">
+                <a:solidFill>
+                  <a:srgbClr val="CE9178"/>
+                </a:solidFill>
+                <a:effectLst/>
+                <a:latin typeface="Consolas" panose="020B0609020204030204" pitchFamily="49" charset="0"/>
+              </a:rPr>
+              <a:t>"{} {}"</a:t>
+            </a:r>
+            <a:r>
+              <a:rPr lang="en-CA" b="0" dirty="0">
+                <a:solidFill>
+                  <a:srgbClr val="D4D4D4"/>
+                </a:solidFill>
+                <a:effectLst/>
+                <a:latin typeface="Consolas" panose="020B0609020204030204" pitchFamily="49" charset="0"/>
+              </a:rPr>
+              <a:t>, </a:t>
+            </a:r>
+            <a:r>
+              <a:rPr lang="en-CA" b="0" dirty="0">
+                <a:solidFill>
+                  <a:srgbClr val="B5CEA8"/>
+                </a:solidFill>
+                <a:effectLst/>
+                <a:latin typeface="Consolas" panose="020B0609020204030204" pitchFamily="49" charset="0"/>
+              </a:rPr>
+              <a:t>5</a:t>
+            </a:r>
+            <a:r>
+              <a:rPr lang="en-CA" b="0" dirty="0">
+                <a:solidFill>
+                  <a:srgbClr val="D4D4D4"/>
+                </a:solidFill>
+                <a:effectLst/>
+                <a:latin typeface="Consolas" panose="020B0609020204030204" pitchFamily="49" charset="0"/>
+              </a:rPr>
+              <a:t>, </a:t>
+            </a:r>
+            <a:r>
+              <a:rPr lang="en-CA" b="0" dirty="0">
+                <a:solidFill>
+                  <a:srgbClr val="B5CEA8"/>
+                </a:solidFill>
+                <a:effectLst/>
+                <a:latin typeface="Consolas" panose="020B0609020204030204" pitchFamily="49" charset="0"/>
+              </a:rPr>
+              <a:t>6</a:t>
+            </a:r>
+            <a:r>
+              <a:rPr lang="en-CA" b="0" dirty="0">
+                <a:solidFill>
+                  <a:srgbClr val="D4D4D4"/>
+                </a:solidFill>
+                <a:effectLst/>
+                <a:latin typeface="Consolas" panose="020B0609020204030204" pitchFamily="49" charset="0"/>
+              </a:rPr>
+              <a:t>);</a:t>
+            </a:r>
+          </a:p>
+          <a:p>
+            <a:pPr>
+              <a:buClr>
+                <a:schemeClr val="tx1"/>
+              </a:buClr>
+            </a:pPr>
+            <a:r>
+              <a:rPr lang="en-CA" b="0" dirty="0">
+                <a:solidFill>
+                  <a:srgbClr val="DCDCAA"/>
+                </a:solidFill>
+                <a:effectLst/>
+                <a:latin typeface="Consolas" panose="020B0609020204030204" pitchFamily="49" charset="0"/>
+              </a:rPr>
+              <a:t>println!</a:t>
+            </a:r>
+            <a:r>
+              <a:rPr lang="en-CA" b="0" dirty="0">
+                <a:solidFill>
+                  <a:srgbClr val="D4D4D4"/>
+                </a:solidFill>
+                <a:effectLst/>
+                <a:latin typeface="Consolas" panose="020B0609020204030204" pitchFamily="49" charset="0"/>
+              </a:rPr>
+              <a:t>(</a:t>
+            </a:r>
+            <a:r>
+              <a:rPr lang="en-CA" b="0" dirty="0">
+                <a:solidFill>
+                  <a:srgbClr val="CE9178"/>
+                </a:solidFill>
+                <a:effectLst/>
+                <a:latin typeface="Consolas" panose="020B0609020204030204" pitchFamily="49" charset="0"/>
+              </a:rPr>
+              <a:t>"{}"</a:t>
+            </a:r>
+            <a:r>
+              <a:rPr lang="en-CA" b="0" dirty="0">
+                <a:solidFill>
+                  <a:srgbClr val="D4D4D4"/>
+                </a:solidFill>
+                <a:effectLst/>
+                <a:latin typeface="Consolas" panose="020B0609020204030204" pitchFamily="49" charset="0"/>
+              </a:rPr>
+              <a:t>, </a:t>
+            </a:r>
+            <a:r>
+              <a:rPr lang="en-CA" b="0" dirty="0">
                 <a:solidFill>
                   <a:srgbClr val="9CDCFE"/>
                 </a:solidFill>
                 <a:effectLst/>
                 <a:latin typeface="Consolas" panose="020B0609020204030204" pitchFamily="49" charset="0"/>
               </a:rPr>
-              <a:t>x</a:t>
-            </a:r>
-            <a:r>
-              <a:rPr lang="en-US" sz="2000" b="0" dirty="0">
-                <a:solidFill>
-                  <a:srgbClr val="D4D4D4"/>
-                </a:solidFill>
-                <a:effectLst/>
-                <a:latin typeface="Consolas" panose="020B0609020204030204" pitchFamily="49" charset="0"/>
-              </a:rPr>
-              <a:t>: </a:t>
-            </a:r>
-            <a:r>
-              <a:rPr lang="en-US" sz="2000" b="0" dirty="0">
-                <a:solidFill>
-                  <a:srgbClr val="4EC9B0"/>
-                </a:solidFill>
-                <a:effectLst/>
-                <a:latin typeface="Consolas" panose="020B0609020204030204" pitchFamily="49" charset="0"/>
-              </a:rPr>
-              <a:t>i32</a:t>
-            </a:r>
-            <a:r>
-              <a:rPr lang="en-US" sz="2000" b="0" dirty="0">
-                <a:solidFill>
-                  <a:srgbClr val="D4D4D4"/>
-                </a:solidFill>
-                <a:effectLst/>
-                <a:latin typeface="Consolas" panose="020B0609020204030204" pitchFamily="49" charset="0"/>
-              </a:rPr>
-              <a:t> = </a:t>
-            </a:r>
-            <a:r>
-              <a:rPr lang="en-US" sz="2000" b="0" dirty="0">
-                <a:solidFill>
-                  <a:srgbClr val="B5CEA8"/>
-                </a:solidFill>
-                <a:effectLst/>
-                <a:latin typeface="Consolas" panose="020B0609020204030204" pitchFamily="49" charset="0"/>
-              </a:rPr>
-              <a:t>5</a:t>
-            </a:r>
-            <a:r>
-              <a:rPr lang="en-US" sz="2000" b="0" dirty="0">
-                <a:solidFill>
-                  <a:srgbClr val="D4D4D4"/>
-                </a:solidFill>
-                <a:effectLst/>
-                <a:latin typeface="Consolas" panose="020B0609020204030204" pitchFamily="49" charset="0"/>
-              </a:rPr>
-              <a:t>;</a:t>
-            </a:r>
-            <a:br>
-              <a:rPr lang="en-US" sz="2000" b="0" dirty="0">
-                <a:solidFill>
-                  <a:srgbClr val="D4D4D4"/>
-                </a:solidFill>
-                <a:effectLst/>
-                <a:latin typeface="Consolas" panose="020B0609020204030204" pitchFamily="49" charset="0"/>
-              </a:rPr>
-            </a:br>
-            <a:r>
-              <a:rPr lang="en-US" sz="2000" b="0" dirty="0">
-                <a:solidFill>
-                  <a:srgbClr val="569CD6"/>
-                </a:solidFill>
-                <a:effectLst/>
-                <a:latin typeface="Consolas" panose="020B0609020204030204" pitchFamily="49" charset="0"/>
-              </a:rPr>
-              <a:t>let</a:t>
-            </a:r>
-            <a:r>
-              <a:rPr lang="en-US" sz="2000" b="0" dirty="0">
-                <a:solidFill>
-                  <a:srgbClr val="D4D4D4"/>
-                </a:solidFill>
-                <a:effectLst/>
-                <a:latin typeface="Consolas" panose="020B0609020204030204" pitchFamily="49" charset="0"/>
-              </a:rPr>
-              <a:t> </a:t>
-            </a:r>
-            <a:r>
-              <a:rPr lang="en-US" sz="2000" b="0" dirty="0">
+              <a:t>var1</a:t>
+            </a:r>
+            <a:r>
+              <a:rPr lang="en-CA" b="0" dirty="0">
+                <a:solidFill>
+                  <a:srgbClr val="D4D4D4"/>
+                </a:solidFill>
+                <a:effectLst/>
+                <a:latin typeface="Consolas" panose="020B0609020204030204" pitchFamily="49" charset="0"/>
+              </a:rPr>
+              <a:t>);</a:t>
+            </a:r>
+          </a:p>
+          <a:p>
+            <a:pPr>
+              <a:buClr>
+                <a:schemeClr val="tx1"/>
+              </a:buClr>
+            </a:pPr>
+            <a:r>
+              <a:rPr lang="en-CA" b="0" dirty="0">
+                <a:solidFill>
+                  <a:srgbClr val="DCDCAA"/>
+                </a:solidFill>
+                <a:effectLst/>
+                <a:latin typeface="Consolas" panose="020B0609020204030204" pitchFamily="49" charset="0"/>
+              </a:rPr>
+              <a:t>println!</a:t>
+            </a:r>
+            <a:r>
+              <a:rPr lang="en-CA" b="0" dirty="0">
+                <a:solidFill>
+                  <a:srgbClr val="D4D4D4"/>
+                </a:solidFill>
+                <a:effectLst/>
+                <a:latin typeface="Consolas" panose="020B0609020204030204" pitchFamily="49" charset="0"/>
+              </a:rPr>
+              <a:t>(</a:t>
+            </a:r>
+            <a:r>
+              <a:rPr lang="en-CA" b="0" dirty="0">
+                <a:solidFill>
+                  <a:srgbClr val="CE9178"/>
+                </a:solidFill>
+                <a:effectLst/>
+                <a:latin typeface="Consolas" panose="020B0609020204030204" pitchFamily="49" charset="0"/>
+              </a:rPr>
+              <a:t>"hello {} !"</a:t>
+            </a:r>
+            <a:r>
+              <a:rPr lang="en-CA" b="0" dirty="0">
+                <a:solidFill>
+                  <a:srgbClr val="D4D4D4"/>
+                </a:solidFill>
+                <a:effectLst/>
+                <a:latin typeface="Consolas" panose="020B0609020204030204" pitchFamily="49" charset="0"/>
+              </a:rPr>
+              <a:t>, </a:t>
+            </a:r>
+            <a:r>
+              <a:rPr lang="en-CA" b="0" dirty="0">
                 <a:solidFill>
                   <a:srgbClr val="9CDCFE"/>
                 </a:solidFill>
                 <a:effectLst/>
                 <a:latin typeface="Consolas" panose="020B0609020204030204" pitchFamily="49" charset="0"/>
               </a:rPr>
-              <a:t>y</a:t>
-            </a:r>
-            <a:r>
-              <a:rPr lang="en-US" sz="2000" b="0" dirty="0">
-                <a:solidFill>
-                  <a:srgbClr val="D4D4D4"/>
-                </a:solidFill>
-                <a:effectLst/>
-                <a:latin typeface="Consolas" panose="020B0609020204030204" pitchFamily="49" charset="0"/>
-              </a:rPr>
-              <a:t>: &amp;</a:t>
-            </a:r>
-            <a:r>
-              <a:rPr lang="en-US" sz="2000" b="0" dirty="0">
-                <a:solidFill>
-                  <a:srgbClr val="569CD6"/>
-                </a:solidFill>
-                <a:effectLst/>
-                <a:latin typeface="Consolas" panose="020B0609020204030204" pitchFamily="49" charset="0"/>
-              </a:rPr>
-              <a:t>mut</a:t>
-            </a:r>
-            <a:r>
-              <a:rPr lang="en-US" sz="2000" b="0" dirty="0">
-                <a:solidFill>
-                  <a:srgbClr val="D4D4D4"/>
-                </a:solidFill>
-                <a:effectLst/>
-                <a:latin typeface="Consolas" panose="020B0609020204030204" pitchFamily="49" charset="0"/>
-              </a:rPr>
-              <a:t> </a:t>
-            </a:r>
-            <a:r>
-              <a:rPr lang="en-US" sz="2000" b="0" dirty="0">
-                <a:solidFill>
-                  <a:srgbClr val="4EC9B0"/>
-                </a:solidFill>
-                <a:effectLst/>
-                <a:latin typeface="Consolas" panose="020B0609020204030204" pitchFamily="49" charset="0"/>
-              </a:rPr>
-              <a:t>i32</a:t>
-            </a:r>
-            <a:r>
-              <a:rPr lang="en-US" sz="2000" b="0" dirty="0">
-                <a:solidFill>
-                  <a:srgbClr val="D4D4D4"/>
-                </a:solidFill>
-                <a:effectLst/>
-                <a:latin typeface="Consolas" panose="020B0609020204030204" pitchFamily="49" charset="0"/>
-              </a:rPr>
-              <a:t> = &amp;</a:t>
-            </a:r>
-            <a:r>
-              <a:rPr lang="en-US" sz="2000" b="0" dirty="0">
-                <a:solidFill>
-                  <a:srgbClr val="569CD6"/>
-                </a:solidFill>
-                <a:effectLst/>
-                <a:latin typeface="Consolas" panose="020B0609020204030204" pitchFamily="49" charset="0"/>
-              </a:rPr>
-              <a:t>mut</a:t>
-            </a:r>
-            <a:r>
-              <a:rPr lang="en-US" sz="2000" b="0" dirty="0">
-                <a:solidFill>
-                  <a:srgbClr val="D4D4D4"/>
-                </a:solidFill>
-                <a:effectLst/>
-                <a:latin typeface="Consolas" panose="020B0609020204030204" pitchFamily="49" charset="0"/>
-              </a:rPr>
-              <a:t> </a:t>
-            </a:r>
-            <a:r>
-              <a:rPr lang="en-US" sz="2000" b="0" dirty="0">
+              <a:t>var1</a:t>
+            </a:r>
+            <a:r>
+              <a:rPr lang="en-CA" b="0" dirty="0">
+                <a:solidFill>
+                  <a:srgbClr val="D4D4D4"/>
+                </a:solidFill>
+                <a:effectLst/>
+                <a:latin typeface="Consolas" panose="020B0609020204030204" pitchFamily="49" charset="0"/>
+              </a:rPr>
+              <a:t>);</a:t>
+            </a:r>
+          </a:p>
+          <a:p>
+            <a:pPr>
+              <a:buClr>
+                <a:schemeClr val="tx1"/>
+              </a:buClr>
+            </a:pPr>
+            <a:r>
+              <a:rPr lang="en-CA" b="0" dirty="0">
+                <a:solidFill>
+                  <a:srgbClr val="DCDCAA"/>
+                </a:solidFill>
+                <a:effectLst/>
+                <a:latin typeface="Consolas" panose="020B0609020204030204" pitchFamily="49" charset="0"/>
+              </a:rPr>
+              <a:t>println!</a:t>
+            </a:r>
+            <a:r>
+              <a:rPr lang="en-CA" b="0" dirty="0">
+                <a:solidFill>
+                  <a:srgbClr val="D4D4D4"/>
+                </a:solidFill>
+                <a:effectLst/>
+                <a:latin typeface="Consolas" panose="020B0609020204030204" pitchFamily="49" charset="0"/>
+              </a:rPr>
+              <a:t>(</a:t>
+            </a:r>
+            <a:r>
+              <a:rPr lang="en-CA" b="0" dirty="0">
+                <a:solidFill>
+                  <a:srgbClr val="CE9178"/>
+                </a:solidFill>
+                <a:effectLst/>
+                <a:latin typeface="Consolas" panose="020B0609020204030204" pitchFamily="49" charset="0"/>
+              </a:rPr>
+              <a:t>"hello {0}, {0} !"</a:t>
+            </a:r>
+            <a:r>
+              <a:rPr lang="en-CA" b="0" dirty="0">
+                <a:solidFill>
+                  <a:srgbClr val="D4D4D4"/>
+                </a:solidFill>
+                <a:effectLst/>
+                <a:latin typeface="Consolas" panose="020B0609020204030204" pitchFamily="49" charset="0"/>
+              </a:rPr>
+              <a:t>, </a:t>
+            </a:r>
+            <a:r>
+              <a:rPr lang="en-CA" b="0" dirty="0">
                 <a:solidFill>
                   <a:srgbClr val="9CDCFE"/>
                 </a:solidFill>
                 <a:effectLst/>
                 <a:latin typeface="Consolas" panose="020B0609020204030204" pitchFamily="49" charset="0"/>
               </a:rPr>
-              <a:t>x</a:t>
-            </a:r>
-            <a:r>
-              <a:rPr lang="en-US" sz="2000" b="0" dirty="0">
-                <a:solidFill>
-                  <a:srgbClr val="D4D4D4"/>
-                </a:solidFill>
-                <a:effectLst/>
-                <a:latin typeface="Consolas" panose="020B0609020204030204" pitchFamily="49" charset="0"/>
-              </a:rPr>
-              <a:t>;</a:t>
-            </a:r>
-            <a:r>
-              <a:rPr lang="en-US" sz="2000" b="0" dirty="0">
-                <a:solidFill>
-                  <a:srgbClr val="6A9955"/>
-                </a:solidFill>
-                <a:effectLst/>
-                <a:latin typeface="Consolas" panose="020B0609020204030204" pitchFamily="49" charset="0"/>
-              </a:rPr>
-              <a:t> //make a ref to var x</a:t>
-            </a:r>
-            <a:br>
-              <a:rPr lang="en-US" sz="2000" dirty="0">
-                <a:solidFill>
-                  <a:srgbClr val="D4D4D4"/>
-                </a:solidFill>
-                <a:latin typeface="Consolas" panose="020B0609020204030204" pitchFamily="49" charset="0"/>
-              </a:rPr>
-            </a:br>
-            <a:r>
-              <a:rPr lang="en-US" sz="2000" b="0" dirty="0">
-                <a:solidFill>
-                  <a:srgbClr val="D4D4D4"/>
-                </a:solidFill>
-                <a:effectLst/>
-                <a:latin typeface="Consolas" panose="020B0609020204030204" pitchFamily="49" charset="0"/>
-              </a:rPr>
-              <a:t>*</a:t>
-            </a:r>
-            <a:r>
-              <a:rPr lang="en-US" sz="2000" b="0" dirty="0">
-                <a:solidFill>
-                  <a:srgbClr val="9CDCFE"/>
-                </a:solidFill>
-                <a:effectLst/>
-                <a:latin typeface="Consolas" panose="020B0609020204030204" pitchFamily="49" charset="0"/>
-              </a:rPr>
-              <a:t>y</a:t>
-            </a:r>
-            <a:r>
-              <a:rPr lang="en-US" sz="2000" b="0" dirty="0">
-                <a:solidFill>
-                  <a:srgbClr val="D4D4D4"/>
-                </a:solidFill>
-                <a:effectLst/>
-                <a:latin typeface="Consolas" panose="020B0609020204030204" pitchFamily="49" charset="0"/>
-              </a:rPr>
-              <a:t> = </a:t>
-            </a:r>
-            <a:r>
-              <a:rPr lang="en-US" sz="2000" b="0" dirty="0">
-                <a:solidFill>
-                  <a:srgbClr val="B5CEA8"/>
-                </a:solidFill>
-                <a:effectLst/>
-                <a:latin typeface="Consolas" panose="020B0609020204030204" pitchFamily="49" charset="0"/>
-              </a:rPr>
-              <a:t>6</a:t>
-            </a:r>
-            <a:r>
-              <a:rPr lang="en-US" sz="2000" b="0" dirty="0">
-                <a:solidFill>
-                  <a:srgbClr val="D4D4D4"/>
-                </a:solidFill>
-                <a:effectLst/>
-                <a:latin typeface="Consolas" panose="020B0609020204030204" pitchFamily="49" charset="0"/>
-              </a:rPr>
-              <a:t>;</a:t>
-            </a:r>
-            <a:r>
-              <a:rPr lang="en-US" sz="2000" b="0" dirty="0">
-                <a:solidFill>
-                  <a:srgbClr val="6A9955"/>
-                </a:solidFill>
-                <a:effectLst/>
-                <a:latin typeface="Consolas" panose="020B0609020204030204" pitchFamily="49" charset="0"/>
-              </a:rPr>
-              <a:t> //change value of y to 6</a:t>
-            </a:r>
-            <a:br>
-              <a:rPr lang="en-US" sz="2000" dirty="0">
-                <a:solidFill>
-                  <a:srgbClr val="D4D4D4"/>
-                </a:solidFill>
-                <a:latin typeface="Consolas" panose="020B0609020204030204" pitchFamily="49" charset="0"/>
-              </a:rPr>
-            </a:br>
-            <a:r>
-              <a:rPr lang="en-US" sz="2000" b="0" dirty="0" err="1">
-                <a:solidFill>
-                  <a:srgbClr val="DCDCAA"/>
-                </a:solidFill>
-                <a:effectLst/>
-                <a:latin typeface="Consolas" panose="020B0609020204030204" pitchFamily="49" charset="0"/>
-              </a:rPr>
-              <a:t>println</a:t>
-            </a:r>
-            <a:r>
-              <a:rPr lang="en-US" sz="2000" b="0" dirty="0">
-                <a:solidFill>
-                  <a:srgbClr val="DCDCAA"/>
-                </a:solidFill>
-                <a:effectLst/>
-                <a:latin typeface="Consolas" panose="020B0609020204030204" pitchFamily="49" charset="0"/>
-              </a:rPr>
-              <a:t>!</a:t>
-            </a:r>
-            <a:r>
-              <a:rPr lang="en-US" sz="2000" b="0" dirty="0">
-                <a:solidFill>
-                  <a:srgbClr val="D4D4D4"/>
-                </a:solidFill>
-                <a:effectLst/>
-                <a:latin typeface="Consolas" panose="020B0609020204030204" pitchFamily="49" charset="0"/>
-              </a:rPr>
-              <a:t>(</a:t>
-            </a:r>
-            <a:r>
-              <a:rPr lang="en-US" sz="2000" b="0" dirty="0">
-                <a:solidFill>
-                  <a:srgbClr val="CE9178"/>
-                </a:solidFill>
-                <a:effectLst/>
-                <a:latin typeface="Consolas" panose="020B0609020204030204" pitchFamily="49" charset="0"/>
-              </a:rPr>
-              <a:t>"{}"</a:t>
-            </a:r>
-            <a:r>
-              <a:rPr lang="en-US" sz="2000" b="0" dirty="0">
-                <a:solidFill>
-                  <a:srgbClr val="D4D4D4"/>
-                </a:solidFill>
-                <a:effectLst/>
-                <a:latin typeface="Consolas" panose="020B0609020204030204" pitchFamily="49" charset="0"/>
-              </a:rPr>
-              <a:t>, </a:t>
-            </a:r>
-            <a:r>
-              <a:rPr lang="en-US" sz="2000" b="0" dirty="0">
-                <a:solidFill>
-                  <a:srgbClr val="9CDCFE"/>
-                </a:solidFill>
-                <a:effectLst/>
-                <a:latin typeface="Consolas" panose="020B0609020204030204" pitchFamily="49" charset="0"/>
-              </a:rPr>
-              <a:t>x</a:t>
-            </a:r>
-            <a:r>
-              <a:rPr lang="en-US" sz="2000" b="0" dirty="0">
+              <a:t>var1</a:t>
+            </a:r>
+            <a:r>
+              <a:rPr lang="en-CA" b="0" dirty="0">
                 <a:solidFill>
                   <a:srgbClr val="D4D4D4"/>
                 </a:solidFill>
@@ -17468,17 +18065,15 @@
               </a:rPr>
               <a:t>);</a:t>
             </a:r>
-            <a:r>
-              <a:rPr lang="en-US" sz="2000" b="0" dirty="0">
-                <a:solidFill>
-                  <a:srgbClr val="6A9955"/>
-                </a:solidFill>
-                <a:effectLst/>
-                <a:latin typeface="Consolas" panose="020B0609020204030204" pitchFamily="49" charset="0"/>
-              </a:rPr>
-              <a:t> //prints 6 instead of 5</a:t>
-            </a:r>
-            <a:endParaRPr lang="en-US" sz="2000" b="0" dirty="0">
+          </a:p>
+          <a:p>
+            <a:pPr marL="0" indent="0">
+              <a:buClr>
+                <a:schemeClr val="tx1"/>
+              </a:buClr>
+              <a:buNone/>
+            </a:pPr>
+            <a:endParaRPr lang="en-CA" b="0" dirty="0">
               <a:solidFill>
                 <a:srgbClr val="D4D4D4"/>
               </a:solidFill>
@@ -17487,28 +18082,22 @@
             </a:endParaRPr>
           </a:p>
           <a:p>
-            <a:r>
-              <a:rPr lang="en-CA" dirty="0"/>
-              <a:t>There is a difference between ref and mut ref</a:t>
-            </a:r>
-            <a:br>
-              <a:rPr lang="en-CA" dirty="0"/>
-            </a:br>
-            <a:r>
-              <a:rPr lang="en-CA" dirty="0" err="1"/>
-              <a:t>ref</a:t>
-            </a:r>
-            <a:r>
-              <a:rPr lang="en-CA" dirty="0"/>
-              <a:t> is read only</a:t>
-            </a:r>
-            <a:br>
-              <a:rPr lang="en-CA" dirty="0"/>
-            </a:br>
-            <a:r>
-              <a:rPr lang="en-CA" dirty="0"/>
-              <a:t>mut ref can be mutated</a:t>
-            </a:r>
+            <a:endParaRPr lang="en-CA" b="0" dirty="0">
+              <a:solidFill>
+                <a:srgbClr val="D4D4D4"/>
+              </a:solidFill>
+              <a:effectLst/>
+              <a:latin typeface="Consolas" panose="020B0609020204030204" pitchFamily="49" charset="0"/>
+            </a:endParaRPr>
+          </a:p>
+          <a:p>
+            <a:endParaRPr lang="en-CA" b="0" dirty="0">
+              <a:solidFill>
+                <a:srgbClr val="D4D4D4"/>
+              </a:solidFill>
+              <a:effectLst/>
+              <a:latin typeface="Consolas" panose="020B0609020204030204" pitchFamily="49" charset="0"/>
+            </a:endParaRPr>
           </a:p>
           <a:p>
             <a:endParaRPr lang="en-CA" dirty="0"/>
@@ -17518,7 +18107,7 @@
     </p:spTree>
     <p:extLst>
       <p:ext uri="{BB962C8B-B14F-4D97-AF65-F5344CB8AC3E}">
-        <p14:creationId xmlns:p14="http://schemas.microsoft.com/office/powerpoint/2010/main" val="1641895252"/>
+        <p14:creationId xmlns:p14="http://schemas.microsoft.com/office/powerpoint/2010/main" val="487777785"/>
       </p:ext>
     </p:extLst>
   </p:cSld>
